--- a/03_05_22_0240.pptx
+++ b/03_05_22_0240.pptx
@@ -4004,8 +4004,8 @@
           </a:p>
         </p:txBody>
       </p:sp>
-      <mc:AlternateContent xmlns:mc="http://schemas.openxmlformats.org/markup-compatibility/2006">
-        <mc:Choice xmlns:a14="http://schemas.microsoft.com/office/drawing/2010/main" Requires="a14">
+      <mc:AlternateContent xmlns:mc="http://schemas.openxmlformats.org/markup-compatibility/2006" xmlns:a14="http://schemas.microsoft.com/office/drawing/2010/main">
+        <mc:Choice Requires="a14">
           <p:graphicFrame>
             <p:nvGraphicFramePr>
               <p:cNvPr id="5" name="Table 4">
@@ -4028,7 +4028,7 @@
             </p:nvGraphicFramePr>
             <p:xfrm>
               <a:off x="1207783" y="1142798"/>
-              <a:ext cx="7665058" cy="4013960"/>
+              <a:ext cx="7665058" cy="3977332"/>
             </p:xfrm>
             <a:graphic>
               <a:graphicData uri="http://schemas.openxmlformats.org/drawingml/2006/table">
@@ -4308,8 +4308,9 @@
                               <m:f>
                                 <m:fPr>
                                   <m:ctrlPr>
-                                    <a:rPr lang="en-IN" sz="1100">
+                                    <a:rPr lang="en-IN" sz="1100" i="1">
                                       <a:effectLst/>
+                                      <a:latin typeface="Cambria Math" panose="02040503050406030204" pitchFamily="18" charset="0"/>
                                     </a:rPr>
                                   </m:ctrlPr>
                                 </m:fPr>
@@ -4317,42 +4318,49 @@
                                   <m:r>
                                     <a:rPr lang="en-US" sz="1100">
                                       <a:effectLst/>
+                                      <a:latin typeface="Cambria Math" panose="02040503050406030204" pitchFamily="18" charset="0"/>
                                     </a:rPr>
                                     <m:t>𝑆𝑖𝑧𝑒</m:t>
                                   </m:r>
                                   <m:r>
                                     <a:rPr lang="en-US" sz="1100">
                                       <a:effectLst/>
+                                      <a:latin typeface="Cambria Math" panose="02040503050406030204" pitchFamily="18" charset="0"/>
                                     </a:rPr>
                                     <m:t> </m:t>
                                   </m:r>
                                   <m:r>
                                     <a:rPr lang="en-US" sz="1100">
                                       <a:effectLst/>
+                                      <a:latin typeface="Cambria Math" panose="02040503050406030204" pitchFamily="18" charset="0"/>
                                     </a:rPr>
                                     <m:t>𝑜𝑓</m:t>
                                   </m:r>
                                   <m:r>
                                     <a:rPr lang="en-US" sz="1100">
                                       <a:effectLst/>
+                                      <a:latin typeface="Cambria Math" panose="02040503050406030204" pitchFamily="18" charset="0"/>
                                     </a:rPr>
                                     <m:t> </m:t>
                                   </m:r>
                                   <m:r>
                                     <a:rPr lang="en-US" sz="1100">
                                       <a:effectLst/>
+                                      <a:latin typeface="Cambria Math" panose="02040503050406030204" pitchFamily="18" charset="0"/>
                                     </a:rPr>
                                     <m:t>𝑜𝑟𝑖𝑔𝑖𝑛𝑎𝑙</m:t>
                                   </m:r>
                                   <m:r>
                                     <a:rPr lang="en-US" sz="1100">
                                       <a:effectLst/>
+                                      <a:latin typeface="Cambria Math" panose="02040503050406030204" pitchFamily="18" charset="0"/>
                                     </a:rPr>
                                     <m:t> </m:t>
                                   </m:r>
                                   <m:r>
                                     <a:rPr lang="en-US" sz="1100">
                                       <a:effectLst/>
+                                      <a:latin typeface="Cambria Math" panose="02040503050406030204" pitchFamily="18" charset="0"/>
                                     </a:rPr>
                                     <m:t>𝑖𝑚𝑎𝑔𝑒</m:t>
                                   </m:r>
@@ -4361,42 +4369,49 @@
                                   <m:r>
                                     <a:rPr lang="en-US" sz="1100">
                                       <a:effectLst/>
+                                      <a:latin typeface="Cambria Math" panose="02040503050406030204" pitchFamily="18" charset="0"/>
                                     </a:rPr>
                                     <m:t>𝑠𝑖𝑧𝑒</m:t>
                                   </m:r>
                                   <m:r>
                                     <a:rPr lang="en-US" sz="1100">
                                       <a:effectLst/>
+                                      <a:latin typeface="Cambria Math" panose="02040503050406030204" pitchFamily="18" charset="0"/>
                                     </a:rPr>
                                     <m:t> </m:t>
                                   </m:r>
                                   <m:r>
                                     <a:rPr lang="en-US" sz="1100">
                                       <a:effectLst/>
+                                      <a:latin typeface="Cambria Math" panose="02040503050406030204" pitchFamily="18" charset="0"/>
                                     </a:rPr>
                                     <m:t>𝑜𝑓</m:t>
                                   </m:r>
                                   <m:r>
                                     <a:rPr lang="en-US" sz="1100">
                                       <a:effectLst/>
+                                      <a:latin typeface="Cambria Math" panose="02040503050406030204" pitchFamily="18" charset="0"/>
                                     </a:rPr>
                                     <m:t> </m:t>
                                   </m:r>
                                   <m:r>
                                     <a:rPr lang="en-US" sz="1100">
                                       <a:effectLst/>
+                                      <a:latin typeface="Cambria Math" panose="02040503050406030204" pitchFamily="18" charset="0"/>
                                     </a:rPr>
                                     <m:t>𝑐𝑜𝑚𝑝𝑟𝑒𝑠𝑠𝑒𝑑</m:t>
                                   </m:r>
                                   <m:r>
                                     <a:rPr lang="en-US" sz="1100">
                                       <a:effectLst/>
+                                      <a:latin typeface="Cambria Math" panose="02040503050406030204" pitchFamily="18" charset="0"/>
                                     </a:rPr>
                                     <m:t> </m:t>
                                   </m:r>
                                   <m:r>
                                     <a:rPr lang="en-US" sz="1100">
                                       <a:effectLst/>
+                                      <a:latin typeface="Cambria Math" panose="02040503050406030204" pitchFamily="18" charset="0"/>
                                     </a:rPr>
                                     <m:t>𝑖𝑚𝑎𝑔𝑒</m:t>
                                   </m:r>
@@ -4510,8 +4525,9 @@
                               <m:f>
                                 <m:fPr>
                                   <m:ctrlPr>
-                                    <a:rPr lang="en-IN" sz="1100">
+                                    <a:rPr lang="en-IN" sz="1100" i="1">
                                       <a:effectLst/>
+                                      <a:latin typeface="Cambria Math" panose="02040503050406030204" pitchFamily="18" charset="0"/>
                                     </a:rPr>
                                   </m:ctrlPr>
                                 </m:fPr>
@@ -4519,6 +4535,7 @@
                                   <m:r>
                                     <a:rPr lang="en-US" sz="1100">
                                       <a:effectLst/>
+                                      <a:latin typeface="Cambria Math" panose="02040503050406030204" pitchFamily="18" charset="0"/>
                                     </a:rPr>
                                     <m:t>1</m:t>
                                   </m:r>
@@ -4527,6 +4544,7 @@
                                   <m:r>
                                     <a:rPr lang="en-US" sz="1100">
                                       <a:effectLst/>
+                                      <a:latin typeface="Cambria Math" panose="02040503050406030204" pitchFamily="18" charset="0"/>
                                     </a:rPr>
                                     <m:t>𝑀𝑁</m:t>
                                   </m:r>
@@ -4537,8 +4555,9 @@
                                   <m:chr m:val="∑"/>
                                   <m:limLoc m:val="undOvr"/>
                                   <m:ctrlPr>
-                                    <a:rPr lang="en-IN" sz="1100">
+                                    <a:rPr lang="en-IN" sz="1100" i="1">
                                       <a:effectLst/>
+                                      <a:latin typeface="Cambria Math" panose="02040503050406030204" pitchFamily="18" charset="0"/>
                                     </a:rPr>
                                   </m:ctrlPr>
                                 </m:naryPr>
@@ -4546,12 +4565,14 @@
                                   <m:r>
                                     <a:rPr lang="en-US" sz="1100">
                                       <a:effectLst/>
+                                      <a:latin typeface="Cambria Math" panose="02040503050406030204" pitchFamily="18" charset="0"/>
                                     </a:rPr>
                                     <m:t>𝑗</m:t>
                                   </m:r>
                                   <m:r>
                                     <a:rPr lang="en-US" sz="1100">
                                       <a:effectLst/>
+                                      <a:latin typeface="Cambria Math" panose="02040503050406030204" pitchFamily="18" charset="0"/>
                                     </a:rPr>
                                     <m:t>=1</m:t>
                                   </m:r>
@@ -4560,6 +4581,7 @@
                                   <m:r>
                                     <a:rPr lang="en-US" sz="1100">
                                       <a:effectLst/>
+                                      <a:latin typeface="Cambria Math" panose="02040503050406030204" pitchFamily="18" charset="0"/>
                                     </a:rPr>
                                     <m:t>𝑀</m:t>
                                   </m:r>
@@ -4570,8 +4592,9 @@
                                       <m:chr m:val="∑"/>
                                       <m:limLoc m:val="undOvr"/>
                                       <m:ctrlPr>
-                                        <a:rPr lang="en-IN" sz="1100">
+                                        <a:rPr lang="en-IN" sz="1100" i="1">
                                           <a:effectLst/>
+                                          <a:latin typeface="Cambria Math" panose="02040503050406030204" pitchFamily="18" charset="0"/>
                                         </a:rPr>
                                       </m:ctrlPr>
                                     </m:naryPr>
@@ -4579,12 +4602,14 @@
                                       <m:r>
                                         <a:rPr lang="en-US" sz="1100">
                                           <a:effectLst/>
+                                          <a:latin typeface="Cambria Math" panose="02040503050406030204" pitchFamily="18" charset="0"/>
                                         </a:rPr>
                                         <m:t>𝑘</m:t>
                                       </m:r>
                                       <m:r>
                                         <a:rPr lang="en-US" sz="1100">
                                           <a:effectLst/>
+                                          <a:latin typeface="Cambria Math" panose="02040503050406030204" pitchFamily="18" charset="0"/>
                                         </a:rPr>
                                         <m:t>=1</m:t>
                                       </m:r>
@@ -4593,6 +4618,7 @@
                                       <m:r>
                                         <a:rPr lang="en-US" sz="1100">
                                           <a:effectLst/>
+                                          <a:latin typeface="Cambria Math" panose="02040503050406030204" pitchFamily="18" charset="0"/>
                                         </a:rPr>
                                         <m:t>𝑁</m:t>
                                       </m:r>
@@ -4601,8 +4627,9 @@
                                       <m:sSup>
                                         <m:sSupPr>
                                           <m:ctrlPr>
-                                            <a:rPr lang="en-IN" sz="1100">
+                                            <a:rPr lang="en-IN" sz="1100" i="1">
                                               <a:effectLst/>
+                                              <a:latin typeface="Cambria Math" panose="02040503050406030204" pitchFamily="18" charset="0"/>
                                             </a:rPr>
                                           </m:ctrlPr>
                                         </m:sSupPr>
@@ -4610,14 +4637,16 @@
                                           <m:r>
                                             <a:rPr lang="en-US" sz="1100">
                                               <a:effectLst/>
+                                              <a:latin typeface="Cambria Math" panose="02040503050406030204" pitchFamily="18" charset="0"/>
                                             </a:rPr>
                                             <m:t>(</m:t>
                                           </m:r>
                                           <m:sSub>
                                             <m:sSubPr>
                                               <m:ctrlPr>
-                                                <a:rPr lang="en-IN" sz="1100">
+                                                <a:rPr lang="en-IN" sz="1100" i="1">
                                                   <a:effectLst/>
+                                                  <a:latin typeface="Cambria Math" panose="02040503050406030204" pitchFamily="18" charset="0"/>
                                                 </a:rPr>
                                               </m:ctrlPr>
                                             </m:sSubPr>
@@ -4625,6 +4654,7 @@
                                               <m:r>
                                                 <a:rPr lang="en-US" sz="1100">
                                                   <a:effectLst/>
+                                                  <a:latin typeface="Cambria Math" panose="02040503050406030204" pitchFamily="18" charset="0"/>
                                                 </a:rPr>
                                                 <m:t>𝑋</m:t>
                                               </m:r>
@@ -4633,18 +4663,21 @@
                                               <m:r>
                                                 <a:rPr lang="en-US" sz="1100">
                                                   <a:effectLst/>
+                                                  <a:latin typeface="Cambria Math" panose="02040503050406030204" pitchFamily="18" charset="0"/>
                                                 </a:rPr>
                                                 <m:t>𝑗</m:t>
                                               </m:r>
                                               <m:r>
                                                 <a:rPr lang="en-US" sz="1100">
                                                   <a:effectLst/>
+                                                  <a:latin typeface="Cambria Math" panose="02040503050406030204" pitchFamily="18" charset="0"/>
                                                 </a:rPr>
                                                 <m:t>,</m:t>
                                               </m:r>
                                               <m:r>
                                                 <a:rPr lang="en-US" sz="1100">
                                                   <a:effectLst/>
+                                                  <a:latin typeface="Cambria Math" panose="02040503050406030204" pitchFamily="18" charset="0"/>
                                                 </a:rPr>
                                                 <m:t>𝑘</m:t>
                                               </m:r>
@@ -4653,14 +4686,16 @@
                                           <m:r>
                                             <a:rPr lang="en-US" sz="1100">
                                               <a:effectLst/>
+                                              <a:latin typeface="Cambria Math" panose="02040503050406030204" pitchFamily="18" charset="0"/>
                                             </a:rPr>
                                             <m:t>− </m:t>
                                           </m:r>
                                           <m:sSubSup>
                                             <m:sSubSupPr>
                                               <m:ctrlPr>
-                                                <a:rPr lang="en-IN" sz="1100">
+                                                <a:rPr lang="en-IN" sz="1100" i="1">
                                                   <a:effectLst/>
+                                                  <a:latin typeface="Cambria Math" panose="02040503050406030204" pitchFamily="18" charset="0"/>
                                                 </a:rPr>
                                               </m:ctrlPr>
                                             </m:sSubSupPr>
@@ -4668,6 +4703,7 @@
                                               <m:r>
                                                 <a:rPr lang="en-US" sz="1100">
                                                   <a:effectLst/>
+                                                  <a:latin typeface="Cambria Math" panose="02040503050406030204" pitchFamily="18" charset="0"/>
                                                 </a:rPr>
                                                 <m:t>𝑋</m:t>
                                               </m:r>
@@ -4676,18 +4712,21 @@
                                               <m:r>
                                                 <a:rPr lang="en-US" sz="1100">
                                                   <a:effectLst/>
+                                                  <a:latin typeface="Cambria Math" panose="02040503050406030204" pitchFamily="18" charset="0"/>
                                                 </a:rPr>
                                                 <m:t>𝑗</m:t>
                                               </m:r>
                                               <m:r>
                                                 <a:rPr lang="en-US" sz="1100">
                                                   <a:effectLst/>
+                                                  <a:latin typeface="Cambria Math" panose="02040503050406030204" pitchFamily="18" charset="0"/>
                                                 </a:rPr>
                                                 <m:t>,</m:t>
                                               </m:r>
                                               <m:r>
                                                 <a:rPr lang="en-US" sz="1100">
                                                   <a:effectLst/>
+                                                  <a:latin typeface="Cambria Math" panose="02040503050406030204" pitchFamily="18" charset="0"/>
                                                 </a:rPr>
                                                 <m:t>𝑘</m:t>
                                               </m:r>
@@ -4696,6 +4735,7 @@
                                               <m:r>
                                                 <a:rPr lang="en-US" sz="1100">
                                                   <a:effectLst/>
+                                                  <a:latin typeface="Cambria Math" panose="02040503050406030204" pitchFamily="18" charset="0"/>
                                                 </a:rPr>
                                                 <m:t>′</m:t>
                                               </m:r>
@@ -4704,6 +4744,7 @@
                                           <m:r>
                                             <a:rPr lang="en-US" sz="1100">
                                               <a:effectLst/>
+                                              <a:latin typeface="Cambria Math" panose="02040503050406030204" pitchFamily="18" charset="0"/>
                                             </a:rPr>
                                             <m:t>)</m:t>
                                           </m:r>
@@ -4712,6 +4753,7 @@
                                           <m:r>
                                             <a:rPr lang="en-US" sz="1100">
                                               <a:effectLst/>
+                                              <a:latin typeface="Cambria Math" panose="02040503050406030204" pitchFamily="18" charset="0"/>
                                             </a:rPr>
                                             <m:t>2</m:t>
                                           </m:r>
@@ -4819,8 +4861,9 @@
                               <m:f>
                                 <m:fPr>
                                   <m:ctrlPr>
-                                    <a:rPr lang="en-IN" sz="1100">
+                                    <a:rPr lang="en-IN" sz="1100" i="1">
                                       <a:effectLst/>
+                                      <a:latin typeface="Cambria Math" panose="02040503050406030204" pitchFamily="18" charset="0"/>
                                     </a:rPr>
                                   </m:ctrlPr>
                                 </m:fPr>
@@ -4828,42 +4871,49 @@
                                   <m:r>
                                     <a:rPr lang="en-US" sz="1100">
                                       <a:effectLst/>
+                                      <a:latin typeface="Cambria Math" panose="02040503050406030204" pitchFamily="18" charset="0"/>
                                     </a:rPr>
                                     <m:t>𝑆𝑖𝑧𝑒</m:t>
                                   </m:r>
                                   <m:r>
                                     <a:rPr lang="en-US" sz="1100">
                                       <a:effectLst/>
+                                      <a:latin typeface="Cambria Math" panose="02040503050406030204" pitchFamily="18" charset="0"/>
                                     </a:rPr>
                                     <m:t> </m:t>
                                   </m:r>
                                   <m:r>
                                     <a:rPr lang="en-US" sz="1100">
                                       <a:effectLst/>
+                                      <a:latin typeface="Cambria Math" panose="02040503050406030204" pitchFamily="18" charset="0"/>
                                     </a:rPr>
                                     <m:t>𝑜𝑓</m:t>
                                   </m:r>
                                   <m:r>
                                     <a:rPr lang="en-US" sz="1100">
                                       <a:effectLst/>
+                                      <a:latin typeface="Cambria Math" panose="02040503050406030204" pitchFamily="18" charset="0"/>
                                     </a:rPr>
                                     <m:t> </m:t>
                                   </m:r>
                                   <m:r>
                                     <a:rPr lang="en-US" sz="1100">
                                       <a:effectLst/>
+                                      <a:latin typeface="Cambria Math" panose="02040503050406030204" pitchFamily="18" charset="0"/>
                                     </a:rPr>
                                     <m:t>𝑐𝑜𝑚𝑝𝑟𝑒𝑠𝑠𝑒𝑑</m:t>
                                   </m:r>
                                   <m:r>
                                     <a:rPr lang="en-US" sz="1100">
                                       <a:effectLst/>
+                                      <a:latin typeface="Cambria Math" panose="02040503050406030204" pitchFamily="18" charset="0"/>
                                     </a:rPr>
                                     <m:t> </m:t>
                                   </m:r>
                                   <m:r>
                                     <a:rPr lang="en-US" sz="1100">
                                       <a:effectLst/>
+                                      <a:latin typeface="Cambria Math" panose="02040503050406030204" pitchFamily="18" charset="0"/>
                                     </a:rPr>
                                     <m:t>𝑖𝑚𝑎𝑔𝑒</m:t>
                                   </m:r>
@@ -4872,78 +4922,91 @@
                                   <m:r>
                                     <a:rPr lang="en-US" sz="1100">
                                       <a:effectLst/>
+                                      <a:latin typeface="Cambria Math" panose="02040503050406030204" pitchFamily="18" charset="0"/>
                                     </a:rPr>
                                     <m:t>𝑇𝑜𝑡𝑎𝑙</m:t>
                                   </m:r>
                                   <m:r>
                                     <a:rPr lang="en-US" sz="1100">
                                       <a:effectLst/>
+                                      <a:latin typeface="Cambria Math" panose="02040503050406030204" pitchFamily="18" charset="0"/>
                                     </a:rPr>
                                     <m:t> </m:t>
                                   </m:r>
                                   <m:r>
                                     <a:rPr lang="en-US" sz="1100">
                                       <a:effectLst/>
+                                      <a:latin typeface="Cambria Math" panose="02040503050406030204" pitchFamily="18" charset="0"/>
                                     </a:rPr>
                                     <m:t>𝑛𝑜</m:t>
                                   </m:r>
                                   <m:r>
                                     <a:rPr lang="en-US" sz="1100">
                                       <a:effectLst/>
+                                      <a:latin typeface="Cambria Math" panose="02040503050406030204" pitchFamily="18" charset="0"/>
                                     </a:rPr>
                                     <m:t>. </m:t>
                                   </m:r>
                                   <m:r>
                                     <a:rPr lang="en-US" sz="1100">
                                       <a:effectLst/>
+                                      <a:latin typeface="Cambria Math" panose="02040503050406030204" pitchFamily="18" charset="0"/>
                                     </a:rPr>
                                     <m:t>𝑜𝑓</m:t>
                                   </m:r>
                                   <m:r>
                                     <a:rPr lang="en-US" sz="1100">
                                       <a:effectLst/>
+                                      <a:latin typeface="Cambria Math" panose="02040503050406030204" pitchFamily="18" charset="0"/>
                                     </a:rPr>
                                     <m:t> </m:t>
                                   </m:r>
                                   <m:r>
                                     <a:rPr lang="en-US" sz="1100">
                                       <a:effectLst/>
+                                      <a:latin typeface="Cambria Math" panose="02040503050406030204" pitchFamily="18" charset="0"/>
                                     </a:rPr>
                                     <m:t>𝑝𝑖𝑥𝑒𝑙</m:t>
                                   </m:r>
                                   <m:r>
                                     <a:rPr lang="en-US" sz="1100">
                                       <a:effectLst/>
+                                      <a:latin typeface="Cambria Math" panose="02040503050406030204" pitchFamily="18" charset="0"/>
                                     </a:rPr>
                                     <m:t> </m:t>
                                   </m:r>
                                   <m:r>
                                     <a:rPr lang="en-US" sz="1100">
                                       <a:effectLst/>
+                                      <a:latin typeface="Cambria Math" panose="02040503050406030204" pitchFamily="18" charset="0"/>
                                     </a:rPr>
                                     <m:t>𝑖𝑛</m:t>
                                   </m:r>
                                   <m:r>
                                     <a:rPr lang="en-US" sz="1100">
                                       <a:effectLst/>
+                                      <a:latin typeface="Cambria Math" panose="02040503050406030204" pitchFamily="18" charset="0"/>
                                     </a:rPr>
                                     <m:t> </m:t>
                                   </m:r>
                                   <m:r>
                                     <a:rPr lang="en-US" sz="1100">
                                       <a:effectLst/>
+                                      <a:latin typeface="Cambria Math" panose="02040503050406030204" pitchFamily="18" charset="0"/>
                                     </a:rPr>
                                     <m:t>𝑡h𝑒</m:t>
                                   </m:r>
                                   <m:r>
                                     <a:rPr lang="en-US" sz="1100">
                                       <a:effectLst/>
+                                      <a:latin typeface="Cambria Math" panose="02040503050406030204" pitchFamily="18" charset="0"/>
                                     </a:rPr>
                                     <m:t> </m:t>
                                   </m:r>
                                   <m:r>
                                     <a:rPr lang="en-US" sz="1100">
                                       <a:effectLst/>
+                                      <a:latin typeface="Cambria Math" panose="02040503050406030204" pitchFamily="18" charset="0"/>
                                     </a:rPr>
                                     <m:t>𝑖𝑚𝑎𝑔𝑒</m:t>
                                   </m:r>
@@ -5047,8 +5110,9 @@
                               <m:f>
                                 <m:fPr>
                                   <m:ctrlPr>
-                                    <a:rPr lang="en-IN" sz="1100">
+                                    <a:rPr lang="en-IN" sz="1100" i="1">
                                       <a:effectLst/>
+                                      <a:latin typeface="Cambria Math" panose="02040503050406030204" pitchFamily="18" charset="0"/>
                                     </a:rPr>
                                   </m:ctrlPr>
                                 </m:fPr>
@@ -5056,14 +5120,16 @@
                                   <m:r>
                                     <a:rPr lang="en-US" sz="1100">
                                       <a:effectLst/>
+                                      <a:latin typeface="Cambria Math" panose="02040503050406030204" pitchFamily="18" charset="0"/>
                                     </a:rPr>
                                     <m:t>(</m:t>
                                   </m:r>
                                   <m:sSub>
                                     <m:sSubPr>
                                       <m:ctrlPr>
-                                        <a:rPr lang="en-IN" sz="1100">
+                                        <a:rPr lang="en-IN" sz="1100" i="1">
                                           <a:effectLst/>
+                                          <a:latin typeface="Cambria Math" panose="02040503050406030204" pitchFamily="18" charset="0"/>
                                         </a:rPr>
                                       </m:ctrlPr>
                                     </m:sSubPr>
@@ -5071,6 +5137,7 @@
                                       <m:r>
                                         <a:rPr lang="en-US" sz="1100">
                                           <a:effectLst/>
+                                          <a:latin typeface="Cambria Math" panose="02040503050406030204" pitchFamily="18" charset="0"/>
                                         </a:rPr>
                                         <m:t>2µ</m:t>
                                       </m:r>
@@ -5079,6 +5146,7 @@
                                       <m:r>
                                         <a:rPr lang="en-US" sz="1100">
                                           <a:effectLst/>
+                                          <a:latin typeface="Cambria Math" panose="02040503050406030204" pitchFamily="18" charset="0"/>
                                         </a:rPr>
                                         <m:t>𝑓</m:t>
                                       </m:r>
@@ -5087,8 +5155,9 @@
                                   <m:sSub>
                                     <m:sSubPr>
                                       <m:ctrlPr>
-                                        <a:rPr lang="en-IN" sz="1100">
+                                        <a:rPr lang="en-IN" sz="1100" i="1">
                                           <a:effectLst/>
+                                          <a:latin typeface="Cambria Math" panose="02040503050406030204" pitchFamily="18" charset="0"/>
                                         </a:rPr>
                                       </m:ctrlPr>
                                     </m:sSubPr>
@@ -5096,6 +5165,7 @@
                                       <m:r>
                                         <a:rPr lang="en-US" sz="1100">
                                           <a:effectLst/>
+                                          <a:latin typeface="Cambria Math" panose="02040503050406030204" pitchFamily="18" charset="0"/>
                                         </a:rPr>
                                         <m:t>µ</m:t>
                                       </m:r>
@@ -5104,12 +5174,14 @@
                                       <m:r>
                                         <a:rPr lang="en-US" sz="1100">
                                           <a:effectLst/>
+                                          <a:latin typeface="Cambria Math" panose="02040503050406030204" pitchFamily="18" charset="0"/>
                                         </a:rPr>
                                         <m:t>−</m:t>
                                       </m:r>
                                       <m:r>
                                         <a:rPr lang="en-US" sz="1100">
                                           <a:effectLst/>
+                                          <a:latin typeface="Cambria Math" panose="02040503050406030204" pitchFamily="18" charset="0"/>
                                         </a:rPr>
                                         <m:t>𝑓</m:t>
                                       </m:r>
@@ -5118,14 +5190,16 @@
                                   <m:r>
                                     <a:rPr lang="en-US" sz="1100">
                                       <a:effectLst/>
+                                      <a:latin typeface="Cambria Math" panose="02040503050406030204" pitchFamily="18" charset="0"/>
                                     </a:rPr>
                                     <m:t>+</m:t>
                                   </m:r>
                                   <m:sSub>
                                     <m:sSubPr>
                                       <m:ctrlPr>
-                                        <a:rPr lang="en-IN" sz="1100">
+                                        <a:rPr lang="en-IN" sz="1100" i="1">
                                           <a:effectLst/>
+                                          <a:latin typeface="Cambria Math" panose="02040503050406030204" pitchFamily="18" charset="0"/>
                                         </a:rPr>
                                       </m:ctrlPr>
                                     </m:sSubPr>
@@ -5133,6 +5207,7 @@
                                       <m:r>
                                         <a:rPr lang="en-US" sz="1100">
                                           <a:effectLst/>
+                                          <a:latin typeface="Cambria Math" panose="02040503050406030204" pitchFamily="18" charset="0"/>
                                         </a:rPr>
                                         <m:t>𝐶</m:t>
                                       </m:r>
@@ -5141,6 +5216,7 @@
                                       <m:r>
                                         <a:rPr lang="en-US" sz="1100">
                                           <a:effectLst/>
+                                          <a:latin typeface="Cambria Math" panose="02040503050406030204" pitchFamily="18" charset="0"/>
                                         </a:rPr>
                                         <m:t>1</m:t>
                                       </m:r>
@@ -5149,14 +5225,16 @@
                                   <m:r>
                                     <a:rPr lang="en-US" sz="1100">
                                       <a:effectLst/>
+                                      <a:latin typeface="Cambria Math" panose="02040503050406030204" pitchFamily="18" charset="0"/>
                                     </a:rPr>
                                     <m:t>)(</m:t>
                                   </m:r>
                                   <m:sSub>
                                     <m:sSubPr>
                                       <m:ctrlPr>
-                                        <a:rPr lang="en-IN" sz="1100">
+                                        <a:rPr lang="en-IN" sz="1100" i="1">
                                           <a:effectLst/>
+                                          <a:latin typeface="Cambria Math" panose="02040503050406030204" pitchFamily="18" charset="0"/>
                                         </a:rPr>
                                       </m:ctrlPr>
                                     </m:sSubPr>
@@ -5164,6 +5242,7 @@
                                       <m:r>
                                         <a:rPr lang="en-US" sz="1100">
                                           <a:effectLst/>
+                                          <a:latin typeface="Cambria Math" panose="02040503050406030204" pitchFamily="18" charset="0"/>
                                         </a:rPr>
                                         <m:t>2 </m:t>
                                       </m:r>
@@ -5173,6 +5252,7 @@
                                         </m:rPr>
                                         <a:rPr lang="en-US" sz="1100">
                                           <a:effectLst/>
+                                          <a:latin typeface="Cambria Math" panose="02040503050406030204" pitchFamily="18" charset="0"/>
                                         </a:rPr>
                                         <m:t>γ</m:t>
                                       </m:r>
@@ -5181,6 +5261,7 @@
                                       <m:r>
                                         <a:rPr lang="en-US" sz="1100">
                                           <a:effectLst/>
+                                          <a:latin typeface="Cambria Math" panose="02040503050406030204" pitchFamily="18" charset="0"/>
                                         </a:rPr>
                                         <m:t>𝑓</m:t>
                                       </m:r>
@@ -5189,14 +5270,16 @@
                                   <m:r>
                                     <a:rPr lang="en-US" sz="1100">
                                       <a:effectLst/>
+                                      <a:latin typeface="Cambria Math" panose="02040503050406030204" pitchFamily="18" charset="0"/>
                                     </a:rPr>
                                     <m:t>+</m:t>
                                   </m:r>
                                   <m:sSub>
                                     <m:sSubPr>
                                       <m:ctrlPr>
-                                        <a:rPr lang="en-IN" sz="1100">
+                                        <a:rPr lang="en-IN" sz="1100" i="1">
                                           <a:effectLst/>
+                                          <a:latin typeface="Cambria Math" panose="02040503050406030204" pitchFamily="18" charset="0"/>
                                         </a:rPr>
                                       </m:ctrlPr>
                                     </m:sSubPr>
@@ -5204,6 +5287,7 @@
                                       <m:r>
                                         <a:rPr lang="en-US" sz="1100">
                                           <a:effectLst/>
+                                          <a:latin typeface="Cambria Math" panose="02040503050406030204" pitchFamily="18" charset="0"/>
                                         </a:rPr>
                                         <m:t>𝐶</m:t>
                                       </m:r>
@@ -5212,6 +5296,7 @@
                                       <m:r>
                                         <a:rPr lang="en-US" sz="1100">
                                           <a:effectLst/>
+                                          <a:latin typeface="Cambria Math" panose="02040503050406030204" pitchFamily="18" charset="0"/>
                                         </a:rPr>
                                         <m:t>2</m:t>
                                       </m:r>
@@ -5220,6 +5305,7 @@
                                   <m:r>
                                     <a:rPr lang="en-US" sz="1100">
                                       <a:effectLst/>
+                                      <a:latin typeface="Cambria Math" panose="02040503050406030204" pitchFamily="18" charset="0"/>
                                     </a:rPr>
                                     <m:t>)</m:t>
                                   </m:r>
@@ -5228,14 +5314,16 @@
                                   <m:r>
                                     <a:rPr lang="en-US" sz="1100">
                                       <a:effectLst/>
+                                      <a:latin typeface="Cambria Math" panose="02040503050406030204" pitchFamily="18" charset="0"/>
                                     </a:rPr>
                                     <m:t>(</m:t>
                                   </m:r>
                                   <m:sSubSup>
                                     <m:sSubSupPr>
                                       <m:ctrlPr>
-                                        <a:rPr lang="en-IN" sz="1100">
+                                        <a:rPr lang="en-IN" sz="1100" i="1">
                                           <a:effectLst/>
+                                          <a:latin typeface="Cambria Math" panose="02040503050406030204" pitchFamily="18" charset="0"/>
                                         </a:rPr>
                                       </m:ctrlPr>
                                     </m:sSubSupPr>
@@ -5243,6 +5331,7 @@
                                       <m:r>
                                         <a:rPr lang="en-US" sz="1100">
                                           <a:effectLst/>
+                                          <a:latin typeface="Cambria Math" panose="02040503050406030204" pitchFamily="18" charset="0"/>
                                         </a:rPr>
                                         <m:t>µ</m:t>
                                       </m:r>
@@ -5251,6 +5340,7 @@
                                       <m:r>
                                         <a:rPr lang="en-US" sz="1100">
                                           <a:effectLst/>
+                                          <a:latin typeface="Cambria Math" panose="02040503050406030204" pitchFamily="18" charset="0"/>
                                         </a:rPr>
                                         <m:t>𝑓</m:t>
                                       </m:r>
@@ -5259,6 +5349,7 @@
                                       <m:r>
                                         <a:rPr lang="en-US" sz="1100">
                                           <a:effectLst/>
+                                          <a:latin typeface="Cambria Math" panose="02040503050406030204" pitchFamily="18" charset="0"/>
                                         </a:rPr>
                                         <m:t>2</m:t>
                                       </m:r>
@@ -5267,14 +5358,16 @@
                                   <m:r>
                                     <a:rPr lang="en-US" sz="1100">
                                       <a:effectLst/>
+                                      <a:latin typeface="Cambria Math" panose="02040503050406030204" pitchFamily="18" charset="0"/>
                                     </a:rPr>
                                     <m:t>+</m:t>
                                   </m:r>
                                   <m:sSubSup>
                                     <m:sSubSupPr>
                                       <m:ctrlPr>
-                                        <a:rPr lang="en-IN" sz="1100">
+                                        <a:rPr lang="en-IN" sz="1100" i="1">
                                           <a:effectLst/>
+                                          <a:latin typeface="Cambria Math" panose="02040503050406030204" pitchFamily="18" charset="0"/>
                                         </a:rPr>
                                       </m:ctrlPr>
                                     </m:sSubSupPr>
@@ -5282,6 +5375,7 @@
                                       <m:r>
                                         <a:rPr lang="en-US" sz="1100">
                                           <a:effectLst/>
+                                          <a:latin typeface="Cambria Math" panose="02040503050406030204" pitchFamily="18" charset="0"/>
                                         </a:rPr>
                                         <m:t>µ</m:t>
                                       </m:r>
@@ -5290,12 +5384,14 @@
                                       <m:r>
                                         <a:rPr lang="en-US" sz="1100">
                                           <a:effectLst/>
+                                          <a:latin typeface="Cambria Math" panose="02040503050406030204" pitchFamily="18" charset="0"/>
                                         </a:rPr>
                                         <m:t>−</m:t>
                                       </m:r>
                                       <m:r>
                                         <a:rPr lang="en-US" sz="1100">
                                           <a:effectLst/>
+                                          <a:latin typeface="Cambria Math" panose="02040503050406030204" pitchFamily="18" charset="0"/>
                                         </a:rPr>
                                         <m:t>𝑓</m:t>
                                       </m:r>
@@ -5304,6 +5400,7 @@
                                       <m:r>
                                         <a:rPr lang="en-US" sz="1100">
                                           <a:effectLst/>
+                                          <a:latin typeface="Cambria Math" panose="02040503050406030204" pitchFamily="18" charset="0"/>
                                         </a:rPr>
                                         <m:t>2</m:t>
                                       </m:r>
@@ -5312,14 +5409,16 @@
                                   <m:r>
                                     <a:rPr lang="en-US" sz="1100">
                                       <a:effectLst/>
+                                      <a:latin typeface="Cambria Math" panose="02040503050406030204" pitchFamily="18" charset="0"/>
                                     </a:rPr>
                                     <m:t>+</m:t>
                                   </m:r>
                                   <m:sSub>
                                     <m:sSubPr>
                                       <m:ctrlPr>
-                                        <a:rPr lang="en-IN" sz="1100">
+                                        <a:rPr lang="en-IN" sz="1100" i="1">
                                           <a:effectLst/>
+                                          <a:latin typeface="Cambria Math" panose="02040503050406030204" pitchFamily="18" charset="0"/>
                                         </a:rPr>
                                       </m:ctrlPr>
                                     </m:sSubPr>
@@ -5327,6 +5426,7 @@
                                       <m:r>
                                         <a:rPr lang="en-US" sz="1100">
                                           <a:effectLst/>
+                                          <a:latin typeface="Cambria Math" panose="02040503050406030204" pitchFamily="18" charset="0"/>
                                         </a:rPr>
                                         <m:t>𝐶</m:t>
                                       </m:r>
@@ -5335,6 +5435,7 @@
                                       <m:r>
                                         <a:rPr lang="en-US" sz="1100">
                                           <a:effectLst/>
+                                          <a:latin typeface="Cambria Math" panose="02040503050406030204" pitchFamily="18" charset="0"/>
                                         </a:rPr>
                                         <m:t>1</m:t>
                                       </m:r>
@@ -5343,14 +5444,16 @@
                                   <m:r>
                                     <a:rPr lang="en-US" sz="1100">
                                       <a:effectLst/>
+                                      <a:latin typeface="Cambria Math" panose="02040503050406030204" pitchFamily="18" charset="0"/>
                                     </a:rPr>
                                     <m:t>)(</m:t>
                                   </m:r>
                                   <m:sSubSup>
                                     <m:sSubSupPr>
                                       <m:ctrlPr>
-                                        <a:rPr lang="en-IN" sz="1100">
+                                        <a:rPr lang="en-IN" sz="1100" i="1">
                                           <a:effectLst/>
+                                          <a:latin typeface="Cambria Math" panose="02040503050406030204" pitchFamily="18" charset="0"/>
                                         </a:rPr>
                                       </m:ctrlPr>
                                     </m:sSubSupPr>
@@ -5361,6 +5464,7 @@
                                         </m:rPr>
                                         <a:rPr lang="en-US" sz="1100">
                                           <a:effectLst/>
+                                          <a:latin typeface="Cambria Math" panose="02040503050406030204" pitchFamily="18" charset="0"/>
                                         </a:rPr>
                                         <m:t>γ</m:t>
                                       </m:r>
@@ -5369,6 +5473,7 @@
                                       <m:r>
                                         <a:rPr lang="en-US" sz="1100">
                                           <a:effectLst/>
+                                          <a:latin typeface="Cambria Math" panose="02040503050406030204" pitchFamily="18" charset="0"/>
                                         </a:rPr>
                                         <m:t>𝑓</m:t>
                                       </m:r>
@@ -5377,6 +5482,7 @@
                                       <m:r>
                                         <a:rPr lang="en-US" sz="1100">
                                           <a:effectLst/>
+                                          <a:latin typeface="Cambria Math" panose="02040503050406030204" pitchFamily="18" charset="0"/>
                                         </a:rPr>
                                         <m:t>2</m:t>
                                       </m:r>
@@ -5385,14 +5491,16 @@
                                   <m:r>
                                     <a:rPr lang="en-US" sz="1100">
                                       <a:effectLst/>
+                                      <a:latin typeface="Cambria Math" panose="02040503050406030204" pitchFamily="18" charset="0"/>
                                     </a:rPr>
                                     <m:t>+</m:t>
                                   </m:r>
                                   <m:sSubSup>
                                     <m:sSubSupPr>
                                       <m:ctrlPr>
-                                        <a:rPr lang="en-IN" sz="1100">
+                                        <a:rPr lang="en-IN" sz="1100" i="1">
                                           <a:effectLst/>
+                                          <a:latin typeface="Cambria Math" panose="02040503050406030204" pitchFamily="18" charset="0"/>
                                         </a:rPr>
                                       </m:ctrlPr>
                                     </m:sSubSupPr>
@@ -5403,6 +5511,7 @@
                                         </m:rPr>
                                         <a:rPr lang="en-US" sz="1100">
                                           <a:effectLst/>
+                                          <a:latin typeface="Cambria Math" panose="02040503050406030204" pitchFamily="18" charset="0"/>
                                         </a:rPr>
                                         <m:t>γ</m:t>
                                       </m:r>
@@ -5411,12 +5520,14 @@
                                       <m:r>
                                         <a:rPr lang="en-US" sz="1100">
                                           <a:effectLst/>
+                                          <a:latin typeface="Cambria Math" panose="02040503050406030204" pitchFamily="18" charset="0"/>
                                         </a:rPr>
                                         <m:t>−</m:t>
                                       </m:r>
                                       <m:r>
                                         <a:rPr lang="en-US" sz="1100">
                                           <a:effectLst/>
+                                          <a:latin typeface="Cambria Math" panose="02040503050406030204" pitchFamily="18" charset="0"/>
                                         </a:rPr>
                                         <m:t>𝑓</m:t>
                                       </m:r>
@@ -5425,6 +5536,7 @@
                                       <m:r>
                                         <a:rPr lang="en-US" sz="1100">
                                           <a:effectLst/>
+                                          <a:latin typeface="Cambria Math" panose="02040503050406030204" pitchFamily="18" charset="0"/>
                                         </a:rPr>
                                         <m:t>2</m:t>
                                       </m:r>
@@ -5433,14 +5545,16 @@
                                   <m:r>
                                     <a:rPr lang="en-US" sz="1100">
                                       <a:effectLst/>
+                                      <a:latin typeface="Cambria Math" panose="02040503050406030204" pitchFamily="18" charset="0"/>
                                     </a:rPr>
                                     <m:t>+</m:t>
                                   </m:r>
                                   <m:sSub>
                                     <m:sSubPr>
                                       <m:ctrlPr>
-                                        <a:rPr lang="en-IN" sz="1100">
+                                        <a:rPr lang="en-IN" sz="1100" i="1">
                                           <a:effectLst/>
+                                          <a:latin typeface="Cambria Math" panose="02040503050406030204" pitchFamily="18" charset="0"/>
                                         </a:rPr>
                                       </m:ctrlPr>
                                     </m:sSubPr>
@@ -5448,6 +5562,7 @@
                                       <m:r>
                                         <a:rPr lang="en-US" sz="1100">
                                           <a:effectLst/>
+                                          <a:latin typeface="Cambria Math" panose="02040503050406030204" pitchFamily="18" charset="0"/>
                                         </a:rPr>
                                         <m:t>𝐶</m:t>
                                       </m:r>
@@ -5456,6 +5571,7 @@
                                       <m:r>
                                         <a:rPr lang="en-US" sz="1100">
                                           <a:effectLst/>
+                                          <a:latin typeface="Cambria Math" panose="02040503050406030204" pitchFamily="18" charset="0"/>
                                         </a:rPr>
                                         <m:t>2</m:t>
                                       </m:r>
@@ -5464,6 +5580,7 @@
                                   <m:r>
                                     <a:rPr lang="en-US" sz="1100">
                                       <a:effectLst/>
+                                      <a:latin typeface="Cambria Math" panose="02040503050406030204" pitchFamily="18" charset="0"/>
                                     </a:rPr>
                                     <m:t>)</m:t>
                                   </m:r>
@@ -5567,8 +5684,9 @@
                               <m:f>
                                 <m:fPr>
                                   <m:ctrlPr>
-                                    <a:rPr lang="en-IN" sz="1100">
+                                    <a:rPr lang="en-IN" sz="1100" i="1">
                                       <a:effectLst/>
+                                      <a:latin typeface="Cambria Math" panose="02040503050406030204" pitchFamily="18" charset="0"/>
                                     </a:rPr>
                                   </m:ctrlPr>
                                 </m:fPr>
@@ -5578,8 +5696,9 @@
                                       <m:chr m:val="∑"/>
                                       <m:limLoc m:val="undOvr"/>
                                       <m:ctrlPr>
-                                        <a:rPr lang="en-IN" sz="1100">
+                                        <a:rPr lang="en-IN" sz="1100" i="1">
                                           <a:effectLst/>
+                                          <a:latin typeface="Cambria Math" panose="02040503050406030204" pitchFamily="18" charset="0"/>
                                         </a:rPr>
                                       </m:ctrlPr>
                                     </m:naryPr>
@@ -5587,12 +5706,14 @@
                                       <m:r>
                                         <a:rPr lang="en-US" sz="1100">
                                           <a:effectLst/>
+                                          <a:latin typeface="Cambria Math" panose="02040503050406030204" pitchFamily="18" charset="0"/>
                                         </a:rPr>
                                         <m:t>𝑥</m:t>
                                       </m:r>
                                       <m:r>
                                         <a:rPr lang="en-US" sz="1100">
                                           <a:effectLst/>
+                                          <a:latin typeface="Cambria Math" panose="02040503050406030204" pitchFamily="18" charset="0"/>
                                         </a:rPr>
                                         <m:t>=1</m:t>
                                       </m:r>
@@ -5601,6 +5722,7 @@
                                       <m:r>
                                         <a:rPr lang="en-US" sz="1100">
                                           <a:effectLst/>
+                                          <a:latin typeface="Cambria Math" panose="02040503050406030204" pitchFamily="18" charset="0"/>
                                         </a:rPr>
                                         <m:t>𝑀</m:t>
                                       </m:r>
@@ -5611,8 +5733,9 @@
                                           <m:chr m:val="∑"/>
                                           <m:limLoc m:val="undOvr"/>
                                           <m:ctrlPr>
-                                            <a:rPr lang="en-IN" sz="1100">
+                                            <a:rPr lang="en-IN" sz="1100" i="1">
                                               <a:effectLst/>
+                                              <a:latin typeface="Cambria Math" panose="02040503050406030204" pitchFamily="18" charset="0"/>
                                             </a:rPr>
                                           </m:ctrlPr>
                                         </m:naryPr>
@@ -5620,12 +5743,14 @@
                                           <m:r>
                                             <a:rPr lang="en-US" sz="1100">
                                               <a:effectLst/>
+                                              <a:latin typeface="Cambria Math" panose="02040503050406030204" pitchFamily="18" charset="0"/>
                                             </a:rPr>
                                             <m:t>𝑦</m:t>
                                           </m:r>
                                           <m:r>
                                             <a:rPr lang="en-US" sz="1100">
                                               <a:effectLst/>
+                                              <a:latin typeface="Cambria Math" panose="02040503050406030204" pitchFamily="18" charset="0"/>
                                             </a:rPr>
                                             <m:t>=1</m:t>
                                           </m:r>
@@ -5634,6 +5759,7 @@
                                           <m:r>
                                             <a:rPr lang="en-US" sz="1100">
                                               <a:effectLst/>
+                                              <a:latin typeface="Cambria Math" panose="02040503050406030204" pitchFamily="18" charset="0"/>
                                             </a:rPr>
                                             <m:t>𝑁</m:t>
                                           </m:r>
@@ -5642,14 +5768,16 @@
                                           <m:r>
                                             <a:rPr lang="en-US" sz="1100">
                                               <a:effectLst/>
+                                              <a:latin typeface="Cambria Math" panose="02040503050406030204" pitchFamily="18" charset="0"/>
                                             </a:rPr>
                                             <m:t>𝑓</m:t>
                                           </m:r>
                                           <m:d>
                                             <m:dPr>
                                               <m:ctrlPr>
-                                                <a:rPr lang="en-IN" sz="1100">
+                                                <a:rPr lang="en-IN" sz="1100" i="1">
                                                   <a:effectLst/>
+                                                  <a:latin typeface="Cambria Math" panose="02040503050406030204" pitchFamily="18" charset="0"/>
                                                 </a:rPr>
                                               </m:ctrlPr>
                                             </m:dPr>
@@ -5657,18 +5785,21 @@
                                               <m:r>
                                                 <a:rPr lang="en-US" sz="1100">
                                                   <a:effectLst/>
+                                                  <a:latin typeface="Cambria Math" panose="02040503050406030204" pitchFamily="18" charset="0"/>
                                                 </a:rPr>
                                                 <m:t>𝑥</m:t>
                                               </m:r>
                                               <m:r>
                                                 <a:rPr lang="en-US" sz="1100">
                                                   <a:effectLst/>
+                                                  <a:latin typeface="Cambria Math" panose="02040503050406030204" pitchFamily="18" charset="0"/>
                                                 </a:rPr>
                                                 <m:t>, </m:t>
                                               </m:r>
                                               <m:r>
                                                 <a:rPr lang="en-US" sz="1100">
                                                   <a:effectLst/>
+                                                  <a:latin typeface="Cambria Math" panose="02040503050406030204" pitchFamily="18" charset="0"/>
                                                 </a:rPr>
                                                 <m:t>𝑦</m:t>
                                               </m:r>
@@ -5677,14 +5808,16 @@
                                           <m:r>
                                             <a:rPr lang="en-US" sz="1100">
                                               <a:effectLst/>
+                                              <a:latin typeface="Cambria Math" panose="02040503050406030204" pitchFamily="18" charset="0"/>
                                             </a:rPr>
                                             <m:t> ×</m:t>
                                           </m:r>
                                           <m:sSup>
                                             <m:sSupPr>
                                               <m:ctrlPr>
-                                                <a:rPr lang="en-IN" sz="1100">
+                                                <a:rPr lang="en-IN" sz="1100" i="1">
                                                   <a:effectLst/>
+                                                  <a:latin typeface="Cambria Math" panose="02040503050406030204" pitchFamily="18" charset="0"/>
                                                 </a:rPr>
                                               </m:ctrlPr>
                                             </m:sSupPr>
@@ -5692,6 +5825,7 @@
                                               <m:r>
                                                 <a:rPr lang="en-US" sz="1100">
                                                   <a:effectLst/>
+                                                  <a:latin typeface="Cambria Math" panose="02040503050406030204" pitchFamily="18" charset="0"/>
                                                 </a:rPr>
                                                 <m:t>𝑓</m:t>
                                               </m:r>
@@ -5700,6 +5834,7 @@
                                               <m:r>
                                                 <a:rPr lang="en-US" sz="1100">
                                                   <a:effectLst/>
+                                                  <a:latin typeface="Cambria Math" panose="02040503050406030204" pitchFamily="18" charset="0"/>
                                                 </a:rPr>
                                                 <m:t>′</m:t>
                                               </m:r>
@@ -5708,8 +5843,9 @@
                                           <m:d>
                                             <m:dPr>
                                               <m:ctrlPr>
-                                                <a:rPr lang="en-IN" sz="1100">
+                                                <a:rPr lang="en-IN" sz="1100" i="1">
                                                   <a:effectLst/>
+                                                  <a:latin typeface="Cambria Math" panose="02040503050406030204" pitchFamily="18" charset="0"/>
                                                 </a:rPr>
                                               </m:ctrlPr>
                                             </m:dPr>
@@ -5717,18 +5853,21 @@
                                               <m:r>
                                                 <a:rPr lang="en-US" sz="1100">
                                                   <a:effectLst/>
+                                                  <a:latin typeface="Cambria Math" panose="02040503050406030204" pitchFamily="18" charset="0"/>
                                                 </a:rPr>
                                                 <m:t>𝑥</m:t>
                                               </m:r>
                                               <m:r>
                                                 <a:rPr lang="en-US" sz="1100">
                                                   <a:effectLst/>
+                                                  <a:latin typeface="Cambria Math" panose="02040503050406030204" pitchFamily="18" charset="0"/>
                                                 </a:rPr>
                                                 <m:t>, </m:t>
                                               </m:r>
                                               <m:r>
                                                 <a:rPr lang="en-US" sz="1100">
                                                   <a:effectLst/>
+                                                  <a:latin typeface="Cambria Math" panose="02040503050406030204" pitchFamily="18" charset="0"/>
                                                 </a:rPr>
                                                 <m:t>𝑦</m:t>
                                               </m:r>
@@ -5744,8 +5883,9 @@
                                     <m:radPr>
                                       <m:degHide m:val="on"/>
                                       <m:ctrlPr>
-                                        <a:rPr lang="en-IN" sz="1100">
+                                        <a:rPr lang="en-IN" sz="1100" i="1">
                                           <a:effectLst/>
+                                          <a:latin typeface="Cambria Math" panose="02040503050406030204" pitchFamily="18" charset="0"/>
                                         </a:rPr>
                                       </m:ctrlPr>
                                     </m:radPr>
@@ -5756,8 +5896,9 @@
                                           <m:chr m:val="∑"/>
                                           <m:limLoc m:val="undOvr"/>
                                           <m:ctrlPr>
-                                            <a:rPr lang="en-IN" sz="1100">
+                                            <a:rPr lang="en-IN" sz="1100" i="1">
                                               <a:effectLst/>
+                                              <a:latin typeface="Cambria Math" panose="02040503050406030204" pitchFamily="18" charset="0"/>
                                             </a:rPr>
                                           </m:ctrlPr>
                                         </m:naryPr>
@@ -5765,12 +5906,14 @@
                                           <m:r>
                                             <a:rPr lang="en-US" sz="1100">
                                               <a:effectLst/>
+                                              <a:latin typeface="Cambria Math" panose="02040503050406030204" pitchFamily="18" charset="0"/>
                                             </a:rPr>
                                             <m:t>𝑥</m:t>
                                           </m:r>
                                           <m:r>
                                             <a:rPr lang="en-US" sz="1100">
                                               <a:effectLst/>
+                                              <a:latin typeface="Cambria Math" panose="02040503050406030204" pitchFamily="18" charset="0"/>
                                             </a:rPr>
                                             <m:t>=1</m:t>
                                           </m:r>
@@ -5779,6 +5922,7 @@
                                           <m:r>
                                             <a:rPr lang="en-US" sz="1100">
                                               <a:effectLst/>
+                                              <a:latin typeface="Cambria Math" panose="02040503050406030204" pitchFamily="18" charset="0"/>
                                             </a:rPr>
                                             <m:t>𝑀</m:t>
                                           </m:r>
@@ -5789,8 +5933,9 @@
                                               <m:chr m:val="∑"/>
                                               <m:limLoc m:val="undOvr"/>
                                               <m:ctrlPr>
-                                                <a:rPr lang="en-IN" sz="1100">
+                                                <a:rPr lang="en-IN" sz="1100" i="1">
                                                   <a:effectLst/>
+                                                  <a:latin typeface="Cambria Math" panose="02040503050406030204" pitchFamily="18" charset="0"/>
                                                 </a:rPr>
                                               </m:ctrlPr>
                                             </m:naryPr>
@@ -5798,12 +5943,14 @@
                                               <m:r>
                                                 <a:rPr lang="en-US" sz="1100">
                                                   <a:effectLst/>
+                                                  <a:latin typeface="Cambria Math" panose="02040503050406030204" pitchFamily="18" charset="0"/>
                                                 </a:rPr>
                                                 <m:t>𝑦</m:t>
                                               </m:r>
                                               <m:r>
                                                 <a:rPr lang="en-US" sz="1100">
                                                   <a:effectLst/>
+                                                  <a:latin typeface="Cambria Math" panose="02040503050406030204" pitchFamily="18" charset="0"/>
                                                 </a:rPr>
                                                 <m:t>=1</m:t>
                                               </m:r>
@@ -5812,6 +5959,7 @@
                                               <m:r>
                                                 <a:rPr lang="en-US" sz="1100">
                                                   <a:effectLst/>
+                                                  <a:latin typeface="Cambria Math" panose="02040503050406030204" pitchFamily="18" charset="0"/>
                                                 </a:rPr>
                                                 <m:t>𝑁</m:t>
                                               </m:r>
@@ -5820,8 +5968,9 @@
                                               <m:sSup>
                                                 <m:sSupPr>
                                                   <m:ctrlPr>
-                                                    <a:rPr lang="en-IN" sz="1100">
+                                                    <a:rPr lang="en-IN" sz="1100" i="1">
                                                       <a:effectLst/>
+                                                      <a:latin typeface="Cambria Math" panose="02040503050406030204" pitchFamily="18" charset="0"/>
                                                     </a:rPr>
                                                   </m:ctrlPr>
                                                 </m:sSupPr>
@@ -5829,8 +5978,9 @@
                                                   <m:d>
                                                     <m:dPr>
                                                       <m:ctrlPr>
-                                                        <a:rPr lang="en-IN" sz="1100">
+                                                        <a:rPr lang="en-IN" sz="1100" i="1">
                                                           <a:effectLst/>
+                                                          <a:latin typeface="Cambria Math" panose="02040503050406030204" pitchFamily="18" charset="0"/>
                                                         </a:rPr>
                                                       </m:ctrlPr>
                                                     </m:dPr>
@@ -5838,14 +5988,16 @@
                                                       <m:r>
                                                         <a:rPr lang="en-US" sz="1100">
                                                           <a:effectLst/>
+                                                          <a:latin typeface="Cambria Math" panose="02040503050406030204" pitchFamily="18" charset="0"/>
                                                         </a:rPr>
                                                         <m:t>𝑓</m:t>
                                                       </m:r>
                                                       <m:d>
                                                         <m:dPr>
                                                           <m:ctrlPr>
-                                                            <a:rPr lang="en-IN" sz="1100">
+                                                            <a:rPr lang="en-IN" sz="1100" i="1">
                                                               <a:effectLst/>
+                                                              <a:latin typeface="Cambria Math" panose="02040503050406030204" pitchFamily="18" charset="0"/>
                                                             </a:rPr>
                                                           </m:ctrlPr>
                                                         </m:dPr>
@@ -5853,18 +6005,21 @@
                                                           <m:r>
                                                             <a:rPr lang="en-US" sz="1100">
                                                               <a:effectLst/>
+                                                              <a:latin typeface="Cambria Math" panose="02040503050406030204" pitchFamily="18" charset="0"/>
                                                             </a:rPr>
                                                             <m:t>𝑥</m:t>
                                                           </m:r>
                                                           <m:r>
                                                             <a:rPr lang="en-US" sz="1100">
                                                               <a:effectLst/>
+                                                              <a:latin typeface="Cambria Math" panose="02040503050406030204" pitchFamily="18" charset="0"/>
                                                             </a:rPr>
                                                             <m:t>, </m:t>
                                                           </m:r>
                                                           <m:r>
                                                             <a:rPr lang="en-US" sz="1100">
                                                               <a:effectLst/>
+                                                              <a:latin typeface="Cambria Math" panose="02040503050406030204" pitchFamily="18" charset="0"/>
                                                             </a:rPr>
                                                             <m:t>𝑦</m:t>
                                                           </m:r>
@@ -5877,6 +6032,7 @@
                                                   <m:r>
                                                     <a:rPr lang="en-US" sz="1100">
                                                       <a:effectLst/>
+                                                      <a:latin typeface="Cambria Math" panose="02040503050406030204" pitchFamily="18" charset="0"/>
                                                     </a:rPr>
                                                     <m:t>2</m:t>
                                                   </m:r>
@@ -5892,8 +6048,9 @@
                                     <m:radPr>
                                       <m:degHide m:val="on"/>
                                       <m:ctrlPr>
-                                        <a:rPr lang="en-IN" sz="1100">
+                                        <a:rPr lang="en-IN" sz="1100" i="1">
                                           <a:effectLst/>
+                                          <a:latin typeface="Cambria Math" panose="02040503050406030204" pitchFamily="18" charset="0"/>
                                         </a:rPr>
                                       </m:ctrlPr>
                                     </m:radPr>
@@ -5904,8 +6061,9 @@
                                           <m:chr m:val="∑"/>
                                           <m:limLoc m:val="undOvr"/>
                                           <m:ctrlPr>
-                                            <a:rPr lang="en-IN" sz="1100">
+                                            <a:rPr lang="en-IN" sz="1100" i="1">
                                               <a:effectLst/>
+                                              <a:latin typeface="Cambria Math" panose="02040503050406030204" pitchFamily="18" charset="0"/>
                                             </a:rPr>
                                           </m:ctrlPr>
                                         </m:naryPr>
@@ -5913,12 +6071,14 @@
                                           <m:r>
                                             <a:rPr lang="en-US" sz="1100">
                                               <a:effectLst/>
+                                              <a:latin typeface="Cambria Math" panose="02040503050406030204" pitchFamily="18" charset="0"/>
                                             </a:rPr>
                                             <m:t>𝑥</m:t>
                                           </m:r>
                                           <m:r>
                                             <a:rPr lang="en-US" sz="1100">
                                               <a:effectLst/>
+                                              <a:latin typeface="Cambria Math" panose="02040503050406030204" pitchFamily="18" charset="0"/>
                                             </a:rPr>
                                             <m:t>=1</m:t>
                                           </m:r>
@@ -5927,6 +6087,7 @@
                                           <m:r>
                                             <a:rPr lang="en-US" sz="1100">
                                               <a:effectLst/>
+                                              <a:latin typeface="Cambria Math" panose="02040503050406030204" pitchFamily="18" charset="0"/>
                                             </a:rPr>
                                             <m:t>𝑀</m:t>
                                           </m:r>
@@ -5937,8 +6098,9 @@
                                               <m:chr m:val="∑"/>
                                               <m:limLoc m:val="undOvr"/>
                                               <m:ctrlPr>
-                                                <a:rPr lang="en-IN" sz="1100">
+                                                <a:rPr lang="en-IN" sz="1100" i="1">
                                                   <a:effectLst/>
+                                                  <a:latin typeface="Cambria Math" panose="02040503050406030204" pitchFamily="18" charset="0"/>
                                                 </a:rPr>
                                               </m:ctrlPr>
                                             </m:naryPr>
@@ -5946,12 +6108,14 @@
                                               <m:r>
                                                 <a:rPr lang="en-US" sz="1100">
                                                   <a:effectLst/>
+                                                  <a:latin typeface="Cambria Math" panose="02040503050406030204" pitchFamily="18" charset="0"/>
                                                 </a:rPr>
                                                 <m:t>𝑦</m:t>
                                               </m:r>
                                               <m:r>
                                                 <a:rPr lang="en-US" sz="1100">
                                                   <a:effectLst/>
+                                                  <a:latin typeface="Cambria Math" panose="02040503050406030204" pitchFamily="18" charset="0"/>
                                                 </a:rPr>
                                                 <m:t>=1</m:t>
                                               </m:r>
@@ -5960,6 +6124,7 @@
                                               <m:r>
                                                 <a:rPr lang="en-US" sz="1100">
                                                   <a:effectLst/>
+                                                  <a:latin typeface="Cambria Math" panose="02040503050406030204" pitchFamily="18" charset="0"/>
                                                 </a:rPr>
                                                 <m:t>𝑁</m:t>
                                               </m:r>
@@ -5968,8 +6133,9 @@
                                               <m:sSup>
                                                 <m:sSupPr>
                                                   <m:ctrlPr>
-                                                    <a:rPr lang="en-IN" sz="1100">
+                                                    <a:rPr lang="en-IN" sz="1100" i="1">
                                                       <a:effectLst/>
+                                                      <a:latin typeface="Cambria Math" panose="02040503050406030204" pitchFamily="18" charset="0"/>
                                                     </a:rPr>
                                                   </m:ctrlPr>
                                                 </m:sSupPr>
@@ -5977,8 +6143,9 @@
                                                   <m:d>
                                                     <m:dPr>
                                                       <m:ctrlPr>
-                                                        <a:rPr lang="en-IN" sz="1100">
+                                                        <a:rPr lang="en-IN" sz="1100" i="1">
                                                           <a:effectLst/>
+                                                          <a:latin typeface="Cambria Math" panose="02040503050406030204" pitchFamily="18" charset="0"/>
                                                         </a:rPr>
                                                       </m:ctrlPr>
                                                     </m:dPr>
@@ -5986,8 +6153,9 @@
                                                       <m:sSup>
                                                         <m:sSupPr>
                                                           <m:ctrlPr>
-                                                            <a:rPr lang="en-IN" sz="1100">
+                                                            <a:rPr lang="en-IN" sz="1100" i="1">
                                                               <a:effectLst/>
+                                                              <a:latin typeface="Cambria Math" panose="02040503050406030204" pitchFamily="18" charset="0"/>
                                                             </a:rPr>
                                                           </m:ctrlPr>
                                                         </m:sSupPr>
@@ -5995,6 +6163,7 @@
                                                           <m:r>
                                                             <a:rPr lang="en-US" sz="1100">
                                                               <a:effectLst/>
+                                                              <a:latin typeface="Cambria Math" panose="02040503050406030204" pitchFamily="18" charset="0"/>
                                                             </a:rPr>
                                                             <m:t>𝑓</m:t>
                                                           </m:r>
@@ -6003,6 +6172,7 @@
                                                           <m:r>
                                                             <a:rPr lang="en-US" sz="1100">
                                                               <a:effectLst/>
+                                                              <a:latin typeface="Cambria Math" panose="02040503050406030204" pitchFamily="18" charset="0"/>
                                                             </a:rPr>
                                                             <m:t>′</m:t>
                                                           </m:r>
@@ -6011,8 +6181,9 @@
                                                       <m:d>
                                                         <m:dPr>
                                                           <m:ctrlPr>
-                                                            <a:rPr lang="en-IN" sz="1100">
+                                                            <a:rPr lang="en-IN" sz="1100" i="1">
                                                               <a:effectLst/>
+                                                              <a:latin typeface="Cambria Math" panose="02040503050406030204" pitchFamily="18" charset="0"/>
                                                             </a:rPr>
                                                           </m:ctrlPr>
                                                         </m:dPr>
@@ -6020,18 +6191,21 @@
                                                           <m:r>
                                                             <a:rPr lang="en-US" sz="1100">
                                                               <a:effectLst/>
+                                                              <a:latin typeface="Cambria Math" panose="02040503050406030204" pitchFamily="18" charset="0"/>
                                                             </a:rPr>
                                                             <m:t>𝑥</m:t>
                                                           </m:r>
                                                           <m:r>
                                                             <a:rPr lang="en-US" sz="1100">
                                                               <a:effectLst/>
+                                                              <a:latin typeface="Cambria Math" panose="02040503050406030204" pitchFamily="18" charset="0"/>
                                                             </a:rPr>
                                                             <m:t>, </m:t>
                                                           </m:r>
                                                           <m:r>
                                                             <a:rPr lang="en-US" sz="1100">
                                                               <a:effectLst/>
+                                                              <a:latin typeface="Cambria Math" panose="02040503050406030204" pitchFamily="18" charset="0"/>
                                                             </a:rPr>
                                                             <m:t>𝑦</m:t>
                                                           </m:r>
@@ -6044,6 +6218,7 @@
                                                   <m:r>
                                                     <a:rPr lang="en-US" sz="1100">
                                                       <a:effectLst/>
+                                                      <a:latin typeface="Cambria Math" panose="02040503050406030204" pitchFamily="18" charset="0"/>
                                                     </a:rPr>
                                                     <m:t>2</m:t>
                                                   </m:r>
@@ -6158,20 +6333,23 @@
                                 </m:rPr>
                                 <a:rPr lang="en-US" sz="1100">
                                   <a:effectLst/>
+                                  <a:latin typeface="Cambria Math" panose="02040503050406030204" pitchFamily="18" charset="0"/>
                                 </a:rPr>
                                 <m:t>log</m:t>
                               </m:r>
                               <m:r>
                                 <a:rPr lang="en-US" sz="1100">
                                   <a:effectLst/>
+                                  <a:latin typeface="Cambria Math" panose="02040503050406030204" pitchFamily="18" charset="0"/>
                                 </a:rPr>
                                 <m:t>⁡(</m:t>
                               </m:r>
                               <m:f>
                                 <m:fPr>
                                   <m:ctrlPr>
-                                    <a:rPr lang="en-IN" sz="1100">
+                                    <a:rPr lang="en-IN" sz="1100" i="1">
                                       <a:effectLst/>
+                                      <a:latin typeface="Cambria Math" panose="02040503050406030204" pitchFamily="18" charset="0"/>
                                     </a:rPr>
                                   </m:ctrlPr>
                                 </m:fPr>
@@ -6179,8 +6357,9 @@
                                   <m:sSup>
                                     <m:sSupPr>
                                       <m:ctrlPr>
-                                        <a:rPr lang="en-IN" sz="1100">
+                                        <a:rPr lang="en-IN" sz="1100" i="1">
                                           <a:effectLst/>
+                                          <a:latin typeface="Cambria Math" panose="02040503050406030204" pitchFamily="18" charset="0"/>
                                         </a:rPr>
                                       </m:ctrlPr>
                                     </m:sSupPr>
@@ -6188,6 +6367,7 @@
                                       <m:r>
                                         <a:rPr lang="en-US" sz="1100">
                                           <a:effectLst/>
+                                          <a:latin typeface="Cambria Math" panose="02040503050406030204" pitchFamily="18" charset="0"/>
                                         </a:rPr>
                                         <m:t>2</m:t>
                                       </m:r>
@@ -6196,6 +6376,7 @@
                                       <m:r>
                                         <a:rPr lang="en-US" sz="1100">
                                           <a:effectLst/>
+                                          <a:latin typeface="Cambria Math" panose="02040503050406030204" pitchFamily="18" charset="0"/>
                                         </a:rPr>
                                         <m:t>𝐵</m:t>
                                       </m:r>
@@ -6204,6 +6385,7 @@
                                   <m:r>
                                     <a:rPr lang="en-US" sz="1100">
                                       <a:effectLst/>
+                                      <a:latin typeface="Cambria Math" panose="02040503050406030204" pitchFamily="18" charset="0"/>
                                     </a:rPr>
                                     <m:t>−1</m:t>
                                   </m:r>
@@ -6212,6 +6394,7 @@
                                   <m:r>
                                     <a:rPr lang="en-US" sz="1100">
                                       <a:effectLst/>
+                                      <a:latin typeface="Cambria Math" panose="02040503050406030204" pitchFamily="18" charset="0"/>
                                     </a:rPr>
                                     <m:t>𝑀𝑆𝐸</m:t>
                                   </m:r>
@@ -6220,12 +6403,14 @@
                               <m:r>
                                 <a:rPr lang="en-US" sz="1100">
                                   <a:effectLst/>
+                                  <a:latin typeface="Cambria Math" panose="02040503050406030204" pitchFamily="18" charset="0"/>
                                 </a:rPr>
                                 <m:t>)</m:t>
                               </m:r>
                               <m:r>
                                 <a:rPr lang="en-US" sz="1100">
                                   <a:effectLst/>
+                                  <a:latin typeface="Cambria Math" panose="02040503050406030204" pitchFamily="18" charset="0"/>
                                 </a:rPr>
                                 <m:t>𝑑𝐵</m:t>
                               </m:r>
@@ -6328,8 +6513,9 @@
                                 <m:radPr>
                                   <m:degHide m:val="on"/>
                                   <m:ctrlPr>
-                                    <a:rPr lang="en-IN" sz="1100">
+                                    <a:rPr lang="en-IN" sz="1100" i="1">
                                       <a:effectLst/>
+                                      <a:latin typeface="Cambria Math" panose="02040503050406030204" pitchFamily="18" charset="0"/>
                                     </a:rPr>
                                   </m:ctrlPr>
                                 </m:radPr>
@@ -6338,8 +6524,9 @@
                                   <m:f>
                                     <m:fPr>
                                       <m:ctrlPr>
-                                        <a:rPr lang="en-IN" sz="1100">
+                                        <a:rPr lang="en-IN" sz="1100" i="1">
                                           <a:effectLst/>
+                                          <a:latin typeface="Cambria Math" panose="02040503050406030204" pitchFamily="18" charset="0"/>
                                         </a:rPr>
                                       </m:ctrlPr>
                                     </m:fPr>
@@ -6349,8 +6536,9 @@
                                           <m:chr m:val="∑"/>
                                           <m:limLoc m:val="undOvr"/>
                                           <m:ctrlPr>
-                                            <a:rPr lang="en-IN" sz="1100">
+                                            <a:rPr lang="en-IN" sz="1100" i="1">
                                               <a:effectLst/>
+                                              <a:latin typeface="Cambria Math" panose="02040503050406030204" pitchFamily="18" charset="0"/>
                                             </a:rPr>
                                           </m:ctrlPr>
                                         </m:naryPr>
@@ -6358,12 +6546,14 @@
                                           <m:r>
                                             <a:rPr lang="en-US" sz="1100">
                                               <a:effectLst/>
+                                              <a:latin typeface="Cambria Math" panose="02040503050406030204" pitchFamily="18" charset="0"/>
                                             </a:rPr>
                                             <m:t>𝑥</m:t>
                                           </m:r>
                                           <m:r>
                                             <a:rPr lang="en-US" sz="1100">
                                               <a:effectLst/>
+                                              <a:latin typeface="Cambria Math" panose="02040503050406030204" pitchFamily="18" charset="0"/>
                                             </a:rPr>
                                             <m:t>=1</m:t>
                                           </m:r>
@@ -6372,6 +6562,7 @@
                                           <m:r>
                                             <a:rPr lang="en-US" sz="1100">
                                               <a:effectLst/>
+                                              <a:latin typeface="Cambria Math" panose="02040503050406030204" pitchFamily="18" charset="0"/>
                                             </a:rPr>
                                             <m:t>𝑀</m:t>
                                           </m:r>
@@ -6382,8 +6573,9 @@
                                               <m:chr m:val="∑"/>
                                               <m:limLoc m:val="undOvr"/>
                                               <m:ctrlPr>
-                                                <a:rPr lang="en-IN" sz="1100">
+                                                <a:rPr lang="en-IN" sz="1100" i="1">
                                                   <a:effectLst/>
+                                                  <a:latin typeface="Cambria Math" panose="02040503050406030204" pitchFamily="18" charset="0"/>
                                                 </a:rPr>
                                               </m:ctrlPr>
                                             </m:naryPr>
@@ -6391,12 +6583,14 @@
                                               <m:r>
                                                 <a:rPr lang="en-US" sz="1100">
                                                   <a:effectLst/>
+                                                  <a:latin typeface="Cambria Math" panose="02040503050406030204" pitchFamily="18" charset="0"/>
                                                 </a:rPr>
                                                 <m:t>𝑦</m:t>
                                               </m:r>
                                               <m:r>
                                                 <a:rPr lang="en-US" sz="1100">
                                                   <a:effectLst/>
+                                                  <a:latin typeface="Cambria Math" panose="02040503050406030204" pitchFamily="18" charset="0"/>
                                                 </a:rPr>
                                                 <m:t>=1</m:t>
                                               </m:r>
@@ -6405,6 +6599,7 @@
                                               <m:r>
                                                 <a:rPr lang="en-US" sz="1100">
                                                   <a:effectLst/>
+                                                  <a:latin typeface="Cambria Math" panose="02040503050406030204" pitchFamily="18" charset="0"/>
                                                 </a:rPr>
                                                 <m:t>𝑁</m:t>
                                               </m:r>
@@ -6413,8 +6608,9 @@
                                               <m:sSup>
                                                 <m:sSupPr>
                                                   <m:ctrlPr>
-                                                    <a:rPr lang="en-IN" sz="1100">
+                                                    <a:rPr lang="en-IN" sz="1100" i="1">
                                                       <a:effectLst/>
+                                                      <a:latin typeface="Cambria Math" panose="02040503050406030204" pitchFamily="18" charset="0"/>
                                                     </a:rPr>
                                                   </m:ctrlPr>
                                                 </m:sSupPr>
@@ -6422,20 +6618,23 @@
                                                   <m:r>
                                                     <a:rPr lang="en-US" sz="1100">
                                                       <a:effectLst/>
+                                                      <a:latin typeface="Cambria Math" panose="02040503050406030204" pitchFamily="18" charset="0"/>
                                                     </a:rPr>
                                                     <m:t>[</m:t>
                                                   </m:r>
                                                   <m:r>
                                                     <a:rPr lang="en-US" sz="1100">
                                                       <a:effectLst/>
+                                                      <a:latin typeface="Cambria Math" panose="02040503050406030204" pitchFamily="18" charset="0"/>
                                                     </a:rPr>
                                                     <m:t>𝑓</m:t>
                                                   </m:r>
                                                   <m:d>
                                                     <m:dPr>
                                                       <m:ctrlPr>
-                                                        <a:rPr lang="en-IN" sz="1100">
+                                                        <a:rPr lang="en-IN" sz="1100" i="1">
                                                           <a:effectLst/>
+                                                          <a:latin typeface="Cambria Math" panose="02040503050406030204" pitchFamily="18" charset="0"/>
                                                         </a:rPr>
                                                       </m:ctrlPr>
                                                     </m:dPr>
@@ -6443,18 +6642,21 @@
                                                       <m:r>
                                                         <a:rPr lang="en-US" sz="1100">
                                                           <a:effectLst/>
+                                                          <a:latin typeface="Cambria Math" panose="02040503050406030204" pitchFamily="18" charset="0"/>
                                                         </a:rPr>
                                                         <m:t>𝑥</m:t>
                                                       </m:r>
                                                       <m:r>
                                                         <a:rPr lang="en-US" sz="1100">
                                                           <a:effectLst/>
+                                                          <a:latin typeface="Cambria Math" panose="02040503050406030204" pitchFamily="18" charset="0"/>
                                                         </a:rPr>
                                                         <m:t>, </m:t>
                                                       </m:r>
                                                       <m:r>
                                                         <a:rPr lang="en-US" sz="1100">
                                                           <a:effectLst/>
+                                                          <a:latin typeface="Cambria Math" panose="02040503050406030204" pitchFamily="18" charset="0"/>
                                                         </a:rPr>
                                                         <m:t>𝑦</m:t>
                                                       </m:r>
@@ -6463,14 +6665,16 @@
                                                   <m:r>
                                                     <a:rPr lang="en-US" sz="1100">
                                                       <a:effectLst/>
+                                                      <a:latin typeface="Cambria Math" panose="02040503050406030204" pitchFamily="18" charset="0"/>
                                                     </a:rPr>
                                                     <m:t>−</m:t>
                                                   </m:r>
                                                   <m:sSup>
                                                     <m:sSupPr>
                                                       <m:ctrlPr>
-                                                        <a:rPr lang="en-IN" sz="1100">
+                                                        <a:rPr lang="en-IN" sz="1100" i="1">
                                                           <a:effectLst/>
+                                                          <a:latin typeface="Cambria Math" panose="02040503050406030204" pitchFamily="18" charset="0"/>
                                                         </a:rPr>
                                                       </m:ctrlPr>
                                                     </m:sSupPr>
@@ -6478,6 +6682,7 @@
                                                       <m:r>
                                                         <a:rPr lang="en-US" sz="1100">
                                                           <a:effectLst/>
+                                                          <a:latin typeface="Cambria Math" panose="02040503050406030204" pitchFamily="18" charset="0"/>
                                                         </a:rPr>
                                                         <m:t>𝑓</m:t>
                                                       </m:r>
@@ -6486,6 +6691,7 @@
                                                       <m:r>
                                                         <a:rPr lang="en-US" sz="1100">
                                                           <a:effectLst/>
+                                                          <a:latin typeface="Cambria Math" panose="02040503050406030204" pitchFamily="18" charset="0"/>
                                                         </a:rPr>
                                                         <m:t>′</m:t>
                                                       </m:r>
@@ -6494,30 +6700,35 @@
                                                   <m:r>
                                                     <a:rPr lang="en-US" sz="1100">
                                                       <a:effectLst/>
+                                                      <a:latin typeface="Cambria Math" panose="02040503050406030204" pitchFamily="18" charset="0"/>
                                                     </a:rPr>
                                                     <m:t>(</m:t>
                                                   </m:r>
                                                   <m:r>
                                                     <a:rPr lang="en-US" sz="1100">
                                                       <a:effectLst/>
+                                                      <a:latin typeface="Cambria Math" panose="02040503050406030204" pitchFamily="18" charset="0"/>
                                                     </a:rPr>
                                                     <m:t>𝑥</m:t>
                                                   </m:r>
                                                   <m:r>
                                                     <a:rPr lang="en-US" sz="1100">
                                                       <a:effectLst/>
+                                                      <a:latin typeface="Cambria Math" panose="02040503050406030204" pitchFamily="18" charset="0"/>
                                                     </a:rPr>
                                                     <m:t>, </m:t>
                                                   </m:r>
                                                   <m:r>
                                                     <a:rPr lang="en-US" sz="1100">
                                                       <a:effectLst/>
+                                                      <a:latin typeface="Cambria Math" panose="02040503050406030204" pitchFamily="18" charset="0"/>
                                                     </a:rPr>
                                                     <m:t>𝑦</m:t>
                                                   </m:r>
                                                   <m:r>
                                                     <a:rPr lang="en-US" sz="1100">
                                                       <a:effectLst/>
+                                                      <a:latin typeface="Cambria Math" panose="02040503050406030204" pitchFamily="18" charset="0"/>
                                                     </a:rPr>
                                                     <m:t>)]</m:t>
                                                   </m:r>
@@ -6526,6 +6737,7 @@
                                                   <m:r>
                                                     <a:rPr lang="en-US" sz="1100">
                                                       <a:effectLst/>
+                                                      <a:latin typeface="Cambria Math" panose="02040503050406030204" pitchFamily="18" charset="0"/>
                                                     </a:rPr>
                                                     <m:t>2</m:t>
                                                   </m:r>
@@ -6542,8 +6754,9 @@
                                           <m:chr m:val="∑"/>
                                           <m:limLoc m:val="undOvr"/>
                                           <m:ctrlPr>
-                                            <a:rPr lang="en-IN" sz="1100">
+                                            <a:rPr lang="en-IN" sz="1100" i="1">
                                               <a:effectLst/>
+                                              <a:latin typeface="Cambria Math" panose="02040503050406030204" pitchFamily="18" charset="0"/>
                                             </a:rPr>
                                           </m:ctrlPr>
                                         </m:naryPr>
@@ -6551,12 +6764,14 @@
                                           <m:r>
                                             <a:rPr lang="en-US" sz="1100">
                                               <a:effectLst/>
+                                              <a:latin typeface="Cambria Math" panose="02040503050406030204" pitchFamily="18" charset="0"/>
                                             </a:rPr>
                                             <m:t>𝑥</m:t>
                                           </m:r>
                                           <m:r>
                                             <a:rPr lang="en-US" sz="1100">
                                               <a:effectLst/>
+                                              <a:latin typeface="Cambria Math" panose="02040503050406030204" pitchFamily="18" charset="0"/>
                                             </a:rPr>
                                             <m:t>=1</m:t>
                                           </m:r>
@@ -6565,6 +6780,7 @@
                                           <m:r>
                                             <a:rPr lang="en-US" sz="1100">
                                               <a:effectLst/>
+                                              <a:latin typeface="Cambria Math" panose="02040503050406030204" pitchFamily="18" charset="0"/>
                                             </a:rPr>
                                             <m:t>𝑀</m:t>
                                           </m:r>
@@ -6575,8 +6791,9 @@
                                               <m:chr m:val="∑"/>
                                               <m:limLoc m:val="undOvr"/>
                                               <m:ctrlPr>
-                                                <a:rPr lang="en-IN" sz="1100">
+                                                <a:rPr lang="en-IN" sz="1100" i="1">
                                                   <a:effectLst/>
+                                                  <a:latin typeface="Cambria Math" panose="02040503050406030204" pitchFamily="18" charset="0"/>
                                                 </a:rPr>
                                               </m:ctrlPr>
                                             </m:naryPr>
@@ -6584,12 +6801,14 @@
                                               <m:r>
                                                 <a:rPr lang="en-US" sz="1100">
                                                   <a:effectLst/>
+                                                  <a:latin typeface="Cambria Math" panose="02040503050406030204" pitchFamily="18" charset="0"/>
                                                 </a:rPr>
                                                 <m:t>𝑦</m:t>
                                               </m:r>
                                               <m:r>
                                                 <a:rPr lang="en-US" sz="1100">
                                                   <a:effectLst/>
+                                                  <a:latin typeface="Cambria Math" panose="02040503050406030204" pitchFamily="18" charset="0"/>
                                                 </a:rPr>
                                                 <m:t>=1</m:t>
                                               </m:r>
@@ -6598,6 +6817,7 @@
                                               <m:r>
                                                 <a:rPr lang="en-US" sz="1100">
                                                   <a:effectLst/>
+                                                  <a:latin typeface="Cambria Math" panose="02040503050406030204" pitchFamily="18" charset="0"/>
                                                 </a:rPr>
                                                 <m:t>𝑁</m:t>
                                               </m:r>
@@ -6606,8 +6826,9 @@
                                               <m:sSup>
                                                 <m:sSupPr>
                                                   <m:ctrlPr>
-                                                    <a:rPr lang="en-IN" sz="1100">
+                                                    <a:rPr lang="en-IN" sz="1100" i="1">
                                                       <a:effectLst/>
+                                                      <a:latin typeface="Cambria Math" panose="02040503050406030204" pitchFamily="18" charset="0"/>
                                                     </a:rPr>
                                                   </m:ctrlPr>
                                                 </m:sSupPr>
@@ -6615,20 +6836,23 @@
                                                   <m:r>
                                                     <a:rPr lang="en-US" sz="1100">
                                                       <a:effectLst/>
+                                                      <a:latin typeface="Cambria Math" panose="02040503050406030204" pitchFamily="18" charset="0"/>
                                                     </a:rPr>
                                                     <m:t>[</m:t>
                                                   </m:r>
                                                   <m:r>
                                                     <a:rPr lang="en-US" sz="1100">
                                                       <a:effectLst/>
+                                                      <a:latin typeface="Cambria Math" panose="02040503050406030204" pitchFamily="18" charset="0"/>
                                                     </a:rPr>
                                                     <m:t>𝑓</m:t>
                                                   </m:r>
                                                   <m:d>
                                                     <m:dPr>
                                                       <m:ctrlPr>
-                                                        <a:rPr lang="en-IN" sz="1100">
+                                                        <a:rPr lang="en-IN" sz="1100" i="1">
                                                           <a:effectLst/>
+                                                          <a:latin typeface="Cambria Math" panose="02040503050406030204" pitchFamily="18" charset="0"/>
                                                         </a:rPr>
                                                       </m:ctrlPr>
                                                     </m:dPr>
@@ -6636,18 +6860,21 @@
                                                       <m:r>
                                                         <a:rPr lang="en-US" sz="1100">
                                                           <a:effectLst/>
+                                                          <a:latin typeface="Cambria Math" panose="02040503050406030204" pitchFamily="18" charset="0"/>
                                                         </a:rPr>
                                                         <m:t>𝑥</m:t>
                                                       </m:r>
                                                       <m:r>
                                                         <a:rPr lang="en-US" sz="1100">
                                                           <a:effectLst/>
+                                                          <a:latin typeface="Cambria Math" panose="02040503050406030204" pitchFamily="18" charset="0"/>
                                                         </a:rPr>
                                                         <m:t>,</m:t>
                                                       </m:r>
                                                       <m:r>
                                                         <a:rPr lang="en-US" sz="1100">
                                                           <a:effectLst/>
+                                                          <a:latin typeface="Cambria Math" panose="02040503050406030204" pitchFamily="18" charset="0"/>
                                                         </a:rPr>
                                                         <m:t>𝑦</m:t>
                                                       </m:r>
@@ -6656,6 +6883,7 @@
                                                   <m:r>
                                                     <a:rPr lang="en-US" sz="1100">
                                                       <a:effectLst/>
+                                                      <a:latin typeface="Cambria Math" panose="02040503050406030204" pitchFamily="18" charset="0"/>
                                                     </a:rPr>
                                                     <m:t>]</m:t>
                                                   </m:r>
@@ -6664,6 +6892,7 @@
                                                   <m:r>
                                                     <a:rPr lang="en-US" sz="1100">
                                                       <a:effectLst/>
+                                                      <a:latin typeface="Cambria Math" panose="02040503050406030204" pitchFamily="18" charset="0"/>
                                                     </a:rPr>
                                                     <m:t>2</m:t>
                                                   </m:r>
@@ -6680,6 +6909,7 @@
                               <m:r>
                                 <a:rPr lang="en-US" sz="1100">
                                   <a:effectLst/>
+                                  <a:latin typeface="Cambria Math" panose="02040503050406030204" pitchFamily="18" charset="0"/>
                                 </a:rPr>
                                 <m:t> ×100</m:t>
                               </m:r>
@@ -6801,8 +7031,9 @@
                               <m:f>
                                 <m:fPr>
                                   <m:ctrlPr>
-                                    <a:rPr lang="en-IN" sz="1100">
+                                    <a:rPr lang="en-IN" sz="1100" i="1">
                                       <a:effectLst/>
+                                      <a:latin typeface="Cambria Math" panose="02040503050406030204" pitchFamily="18" charset="0"/>
                                     </a:rPr>
                                   </m:ctrlPr>
                                 </m:fPr>
@@ -6812,8 +7043,9 @@
                                       <m:chr m:val="∑"/>
                                       <m:limLoc m:val="undOvr"/>
                                       <m:ctrlPr>
-                                        <a:rPr lang="en-IN" sz="1100">
+                                        <a:rPr lang="en-IN" sz="1100" i="1">
                                           <a:effectLst/>
+                                          <a:latin typeface="Cambria Math" panose="02040503050406030204" pitchFamily="18" charset="0"/>
                                         </a:rPr>
                                       </m:ctrlPr>
                                     </m:naryPr>
@@ -6821,12 +7053,14 @@
                                       <m:r>
                                         <a:rPr lang="en-US" sz="1100">
                                           <a:effectLst/>
+                                          <a:latin typeface="Cambria Math" panose="02040503050406030204" pitchFamily="18" charset="0"/>
                                         </a:rPr>
                                         <m:t>𝑗</m:t>
                                       </m:r>
                                       <m:r>
                                         <a:rPr lang="en-US" sz="1100">
                                           <a:effectLst/>
+                                          <a:latin typeface="Cambria Math" panose="02040503050406030204" pitchFamily="18" charset="0"/>
                                         </a:rPr>
                                         <m:t>=1</m:t>
                                       </m:r>
@@ -6835,6 +7069,7 @@
                                       <m:r>
                                         <a:rPr lang="en-US" sz="1100">
                                           <a:effectLst/>
+                                          <a:latin typeface="Cambria Math" panose="02040503050406030204" pitchFamily="18" charset="0"/>
                                         </a:rPr>
                                         <m:t>𝑀</m:t>
                                       </m:r>
@@ -6845,8 +7080,9 @@
                                           <m:chr m:val="∑"/>
                                           <m:limLoc m:val="undOvr"/>
                                           <m:ctrlPr>
-                                            <a:rPr lang="en-IN" sz="1100">
+                                            <a:rPr lang="en-IN" sz="1100" i="1">
                                               <a:effectLst/>
+                                              <a:latin typeface="Cambria Math" panose="02040503050406030204" pitchFamily="18" charset="0"/>
                                             </a:rPr>
                                           </m:ctrlPr>
                                         </m:naryPr>
@@ -6854,12 +7090,14 @@
                                           <m:r>
                                             <a:rPr lang="en-US" sz="1100">
                                               <a:effectLst/>
+                                              <a:latin typeface="Cambria Math" panose="02040503050406030204" pitchFamily="18" charset="0"/>
                                             </a:rPr>
                                             <m:t>𝑘</m:t>
                                           </m:r>
                                           <m:r>
                                             <a:rPr lang="en-US" sz="1100">
                                               <a:effectLst/>
+                                              <a:latin typeface="Cambria Math" panose="02040503050406030204" pitchFamily="18" charset="0"/>
                                             </a:rPr>
                                             <m:t>=1</m:t>
                                           </m:r>
@@ -6868,6 +7106,7 @@
                                           <m:r>
                                             <a:rPr lang="en-US" sz="1100">
                                               <a:effectLst/>
+                                              <a:latin typeface="Cambria Math" panose="02040503050406030204" pitchFamily="18" charset="0"/>
                                             </a:rPr>
                                             <m:t>𝑁</m:t>
                                           </m:r>
@@ -6876,8 +7115,9 @@
                                           <m:sSubSup>
                                             <m:sSubSupPr>
                                               <m:ctrlPr>
-                                                <a:rPr lang="en-IN" sz="1100">
+                                                <a:rPr lang="en-IN" sz="1100" i="1">
                                                   <a:effectLst/>
+                                                  <a:latin typeface="Cambria Math" panose="02040503050406030204" pitchFamily="18" charset="0"/>
                                                 </a:rPr>
                                               </m:ctrlPr>
                                             </m:sSubSupPr>
@@ -6885,6 +7125,7 @@
                                               <m:r>
                                                 <a:rPr lang="en-US" sz="1100">
                                                   <a:effectLst/>
+                                                  <a:latin typeface="Cambria Math" panose="02040503050406030204" pitchFamily="18" charset="0"/>
                                                 </a:rPr>
                                                 <m:t>𝑋</m:t>
                                               </m:r>
@@ -6893,18 +7134,21 @@
                                               <m:r>
                                                 <a:rPr lang="en-US" sz="1100">
                                                   <a:effectLst/>
+                                                  <a:latin typeface="Cambria Math" panose="02040503050406030204" pitchFamily="18" charset="0"/>
                                                 </a:rPr>
                                                 <m:t>𝑗</m:t>
                                               </m:r>
                                               <m:r>
                                                 <a:rPr lang="en-US" sz="1100">
                                                   <a:effectLst/>
+                                                  <a:latin typeface="Cambria Math" panose="02040503050406030204" pitchFamily="18" charset="0"/>
                                                 </a:rPr>
                                                 <m:t>, </m:t>
                                               </m:r>
                                               <m:r>
                                                 <a:rPr lang="en-US" sz="1100">
                                                   <a:effectLst/>
+                                                  <a:latin typeface="Cambria Math" panose="02040503050406030204" pitchFamily="18" charset="0"/>
                                                 </a:rPr>
                                                 <m:t>𝑘</m:t>
                                               </m:r>
@@ -6913,6 +7157,7 @@
                                               <m:r>
                                                 <a:rPr lang="en-US" sz="1100">
                                                   <a:effectLst/>
+                                                  <a:latin typeface="Cambria Math" panose="02040503050406030204" pitchFamily="18" charset="0"/>
                                                 </a:rPr>
                                                 <m:t>2</m:t>
                                               </m:r>
@@ -6929,8 +7174,9 @@
                                       <m:chr m:val="∑"/>
                                       <m:limLoc m:val="undOvr"/>
                                       <m:ctrlPr>
-                                        <a:rPr lang="en-IN" sz="1100">
+                                        <a:rPr lang="en-IN" sz="1100" i="1">
                                           <a:effectLst/>
+                                          <a:latin typeface="Cambria Math" panose="02040503050406030204" pitchFamily="18" charset="0"/>
                                         </a:rPr>
                                       </m:ctrlPr>
                                     </m:naryPr>
@@ -6938,12 +7184,14 @@
                                       <m:r>
                                         <a:rPr lang="en-US" sz="1100">
                                           <a:effectLst/>
+                                          <a:latin typeface="Cambria Math" panose="02040503050406030204" pitchFamily="18" charset="0"/>
                                         </a:rPr>
                                         <m:t>𝑗</m:t>
                                       </m:r>
                                       <m:r>
                                         <a:rPr lang="en-US" sz="1100">
                                           <a:effectLst/>
+                                          <a:latin typeface="Cambria Math" panose="02040503050406030204" pitchFamily="18" charset="0"/>
                                         </a:rPr>
                                         <m:t>=1</m:t>
                                       </m:r>
@@ -6952,6 +7200,7 @@
                                       <m:r>
                                         <a:rPr lang="en-US" sz="1100">
                                           <a:effectLst/>
+                                          <a:latin typeface="Cambria Math" panose="02040503050406030204" pitchFamily="18" charset="0"/>
                                         </a:rPr>
                                         <m:t>𝑀</m:t>
                                       </m:r>
@@ -6962,8 +7211,9 @@
                                           <m:chr m:val="∑"/>
                                           <m:limLoc m:val="undOvr"/>
                                           <m:ctrlPr>
-                                            <a:rPr lang="en-IN" sz="1100">
+                                            <a:rPr lang="en-IN" sz="1100" i="1">
                                               <a:effectLst/>
+                                              <a:latin typeface="Cambria Math" panose="02040503050406030204" pitchFamily="18" charset="0"/>
                                             </a:rPr>
                                           </m:ctrlPr>
                                         </m:naryPr>
@@ -6971,12 +7221,14 @@
                                           <m:r>
                                             <a:rPr lang="en-US" sz="1100">
                                               <a:effectLst/>
+                                              <a:latin typeface="Cambria Math" panose="02040503050406030204" pitchFamily="18" charset="0"/>
                                             </a:rPr>
                                             <m:t>𝑘</m:t>
                                           </m:r>
                                           <m:r>
                                             <a:rPr lang="en-US" sz="1100">
                                               <a:effectLst/>
+                                              <a:latin typeface="Cambria Math" panose="02040503050406030204" pitchFamily="18" charset="0"/>
                                             </a:rPr>
                                             <m:t>=1</m:t>
                                           </m:r>
@@ -6985,6 +7237,7 @@
                                           <m:r>
                                             <a:rPr lang="en-US" sz="1100">
                                               <a:effectLst/>
+                                              <a:latin typeface="Cambria Math" panose="02040503050406030204" pitchFamily="18" charset="0"/>
                                             </a:rPr>
                                             <m:t>𝑁</m:t>
                                           </m:r>
@@ -6993,8 +7246,9 @@
                                           <m:sSubSup>
                                             <m:sSubSupPr>
                                               <m:ctrlPr>
-                                                <a:rPr lang="en-IN" sz="1100">
+                                                <a:rPr lang="en-IN" sz="1100" i="1">
                                                   <a:effectLst/>
+                                                  <a:latin typeface="Cambria Math" panose="02040503050406030204" pitchFamily="18" charset="0"/>
                                                 </a:rPr>
                                               </m:ctrlPr>
                                             </m:sSubSupPr>
@@ -7002,6 +7256,7 @@
                                               <m:r>
                                                 <a:rPr lang="en-US" sz="1100">
                                                   <a:effectLst/>
+                                                  <a:latin typeface="Cambria Math" panose="02040503050406030204" pitchFamily="18" charset="0"/>
                                                 </a:rPr>
                                                 <m:t>𝑋</m:t>
                                               </m:r>
@@ -7010,18 +7265,21 @@
                                               <m:r>
                                                 <a:rPr lang="en-US" sz="1100">
                                                   <a:effectLst/>
+                                                  <a:latin typeface="Cambria Math" panose="02040503050406030204" pitchFamily="18" charset="0"/>
                                                 </a:rPr>
                                                 <m:t>𝑗</m:t>
                                               </m:r>
                                               <m:r>
                                                 <a:rPr lang="en-US" sz="1100">
                                                   <a:effectLst/>
+                                                  <a:latin typeface="Cambria Math" panose="02040503050406030204" pitchFamily="18" charset="0"/>
                                                 </a:rPr>
                                                 <m:t>, </m:t>
                                               </m:r>
                                               <m:r>
                                                 <a:rPr lang="en-US" sz="1100">
                                                   <a:effectLst/>
+                                                  <a:latin typeface="Cambria Math" panose="02040503050406030204" pitchFamily="18" charset="0"/>
                                                 </a:rPr>
                                                 <m:t>𝑘</m:t>
                                               </m:r>
@@ -7030,6 +7288,7 @@
                                               <m:r>
                                                 <a:rPr lang="en-US" sz="1100">
                                                   <a:effectLst/>
+                                                  <a:latin typeface="Cambria Math" panose="02040503050406030204" pitchFamily="18" charset="0"/>
                                                 </a:rPr>
                                                 <m:t>′2</m:t>
                                               </m:r>
@@ -7073,7 +7332,7 @@
             </a:graphic>
           </p:graphicFrame>
         </mc:Choice>
-        <mc:Fallback>
+        <mc:Fallback xmlns="">
           <p:graphicFrame>
             <p:nvGraphicFramePr>
               <p:cNvPr id="5" name="Table 4">
@@ -8351,7 +8610,7 @@
           <a:graphicData uri="http://schemas.openxmlformats.org/presentationml/2006/ole">
             <mc:AlternateContent xmlns:mc="http://schemas.openxmlformats.org/markup-compatibility/2006">
               <mc:Choice xmlns:v="urn:schemas-microsoft-com:vml" Requires="v">
-                <p:oleObj spid="_x0000_s4108" name="Document" r:id="rId3" imgW="5632980" imgH="2098515" progId="Word.Document.12">
+                <p:oleObj spid="_x0000_s4109" name="Document" r:id="rId3" imgW="5632980" imgH="2098515" progId="Word.Document.12">
                   <p:embed/>
                 </p:oleObj>
               </mc:Choice>
@@ -12000,7 +12259,7 @@
           <a:graphicData uri="http://schemas.openxmlformats.org/presentationml/2006/ole">
             <mc:AlternateContent xmlns:mc="http://schemas.openxmlformats.org/markup-compatibility/2006">
               <mc:Choice xmlns:v="urn:schemas-microsoft-com:vml" Requires="v">
-                <p:oleObj spid="_x0000_s5130" name="Document" r:id="rId3" imgW="5426646" imgH="4095103" progId="Word.Document.12">
+                <p:oleObj spid="_x0000_s5131" name="Document" r:id="rId3" imgW="5426646" imgH="4095103" progId="Word.Document.12">
                   <p:embed/>
                 </p:oleObj>
               </mc:Choice>
@@ -12170,44 +12429,6 @@
           </a:p>
         </p:txBody>
       </p:sp>
-      <p:pic>
-        <p:nvPicPr>
-          <p:cNvPr id="4" name="Picture 3">
-            <a:extLst>
-              <a:ext uri="{FF2B5EF4-FFF2-40B4-BE49-F238E27FC236}">
-                <a16:creationId xmlns:a16="http://schemas.microsoft.com/office/drawing/2014/main" id="{6CB7AD58-0E1A-BF88-261F-1CCDCB14FA96}"/>
-              </a:ext>
-            </a:extLst>
-          </p:cNvPr>
-          <p:cNvPicPr>
-            <a:picLocks noChangeAspect="1"/>
-          </p:cNvPicPr>
-          <p:nvPr/>
-        </p:nvPicPr>
-        <p:blipFill>
-          <a:blip r:embed="rId2" cstate="print">
-            <a:extLst>
-              <a:ext uri="{28A0092B-C50C-407E-A947-70E740481C1C}">
-                <a14:useLocalDpi xmlns:a14="http://schemas.microsoft.com/office/drawing/2010/main" val="0"/>
-              </a:ext>
-            </a:extLst>
-          </a:blip>
-          <a:srcRect/>
-          <a:stretch>
-            <a:fillRect/>
-          </a:stretch>
-        </p:blipFill>
-        <p:spPr>
-          <a:xfrm>
-            <a:off x="2891253" y="553182"/>
-            <a:ext cx="4802184" cy="4564185"/>
-          </a:xfrm>
-          <a:prstGeom prst="rect">
-            <a:avLst/>
-          </a:prstGeom>
-          <a:noFill/>
-        </p:spPr>
-      </p:pic>
       <p:sp>
         <p:nvSpPr>
           <p:cNvPr id="2" name="TextBox 1">
@@ -12261,6 +12482,36 @@
           </a:p>
         </p:txBody>
       </p:sp>
+      <p:pic>
+        <p:nvPicPr>
+          <p:cNvPr id="110" name="Picture 109">
+            <a:extLst>
+              <a:ext uri="{FF2B5EF4-FFF2-40B4-BE49-F238E27FC236}">
+                <a16:creationId xmlns:a16="http://schemas.microsoft.com/office/drawing/2014/main" id="{7EFDD5B2-7358-F860-B034-5DD5EFFACDC5}"/>
+              </a:ext>
+            </a:extLst>
+          </p:cNvPr>
+          <p:cNvPicPr>
+            <a:picLocks noChangeAspect="1"/>
+          </p:cNvPicPr>
+          <p:nvPr/>
+        </p:nvPicPr>
+        <p:blipFill>
+          <a:blip r:embed="rId2"/>
+          <a:stretch>
+            <a:fillRect/>
+          </a:stretch>
+        </p:blipFill>
+        <p:spPr>
+          <a:xfrm>
+            <a:off x="2605873" y="514933"/>
+            <a:ext cx="4867893" cy="4657241"/>
+          </a:xfrm>
+          <a:prstGeom prst="rect">
+            <a:avLst/>
+          </a:prstGeom>
+        </p:spPr>
+      </p:pic>
     </p:spTree>
   </p:cSld>
   <p:clrMapOvr>
@@ -12348,7 +12599,7 @@
           <a:graphicData uri="http://schemas.openxmlformats.org/presentationml/2006/ole">
             <mc:AlternateContent xmlns:mc="http://schemas.openxmlformats.org/markup-compatibility/2006">
               <mc:Choice xmlns:v="urn:schemas-microsoft-com:vml" Requires="v">
-                <p:oleObj spid="_x0000_s1062" name="Document" r:id="rId3" imgW="5426646" imgH="601701" progId="Word.Document.12">
+                <p:oleObj spid="_x0000_s1064" name="Document" r:id="rId3" imgW="5426646" imgH="601701" progId="Word.Document.12">
                   <p:embed/>
                 </p:oleObj>
               </mc:Choice>
@@ -12411,7 +12662,7 @@
           <a:graphicData uri="http://schemas.openxmlformats.org/presentationml/2006/ole">
             <mc:AlternateContent xmlns:mc="http://schemas.openxmlformats.org/markup-compatibility/2006">
               <mc:Choice xmlns:v="urn:schemas-microsoft-com:vml" Requires="v">
-                <p:oleObj spid="_x0000_s1063" name="Document" r:id="rId5" imgW="5429565" imgH="1757583" progId="Word.Document.12">
+                <p:oleObj spid="_x0000_s1065" name="Document" r:id="rId5" imgW="5429565" imgH="1757583" progId="Word.Document.12">
                   <p:embed/>
                 </p:oleObj>
               </mc:Choice>
@@ -12535,7 +12786,7 @@
           <a:graphicData uri="http://schemas.openxmlformats.org/presentationml/2006/ole">
             <mc:AlternateContent xmlns:mc="http://schemas.openxmlformats.org/markup-compatibility/2006">
               <mc:Choice xmlns:v="urn:schemas-microsoft-com:vml" Requires="v">
-                <p:oleObj spid="_x0000_s2068" name="Document" r:id="rId3" imgW="5426646" imgH="2362823" progId="Word.Document.12">
+                <p:oleObj spid="_x0000_s2069" name="Document" r:id="rId3" imgW="5426646" imgH="2362823" progId="Word.Document.12">
                   <p:embed/>
                 </p:oleObj>
               </mc:Choice>
@@ -12628,7 +12879,7 @@
           <a:graphicData uri="http://schemas.openxmlformats.org/presentationml/2006/ole">
             <mc:AlternateContent xmlns:mc="http://schemas.openxmlformats.org/markup-compatibility/2006">
               <mc:Choice xmlns:v="urn:schemas-microsoft-com:vml" Requires="v">
-                <p:oleObj spid="_x0000_s3092" name="Document" r:id="rId3" imgW="5426646" imgH="2661691" progId="Word.Document.12">
+                <p:oleObj spid="_x0000_s3093" name="Document" r:id="rId3" imgW="5426646" imgH="2661691" progId="Word.Document.12">
                   <p:embed/>
                 </p:oleObj>
               </mc:Choice>

--- a/03_05_22_0240.pptx
+++ b/03_05_22_0240.pptx
@@ -3542,7 +3542,7 @@
                 <a:latin typeface="Times New Roman" panose="02020603050405020304" pitchFamily="18" charset="0"/>
                 <a:cs typeface="Times New Roman" panose="02020603050405020304" pitchFamily="18" charset="0"/>
               </a:rPr>
-              <a:t>We consider the brain MRIs as a dataset, which consists of 132 images. The size, colour, and format of images in the dataset are similar in nature, whereas the resolutions of the images are different. The format of the images are ‘.jpg’ by nature.</a:t>
+              <a:t>We consider the custom hydrocephalus dataset, which consists of 132 images. The size, colour, and format of images in the dataset are similar in nature, whereas the resolutions of the images are different. The format of the images are ‘.jpg’ by nature.</a:t>
             </a:r>
             <a:endParaRPr lang="en-IN" sz="2800" b="0" strike="noStrike" spc="-1" dirty="0">
               <a:latin typeface="Times New Roman" panose="02020603050405020304" pitchFamily="18" charset="0"/>
@@ -8610,12 +8610,12 @@
           <a:graphicData uri="http://schemas.openxmlformats.org/presentationml/2006/ole">
             <mc:AlternateContent xmlns:mc="http://schemas.openxmlformats.org/markup-compatibility/2006">
               <mc:Choice xmlns:v="urn:schemas-microsoft-com:vml" Requires="v">
-                <p:oleObj spid="_x0000_s4109" name="Document" r:id="rId3" imgW="5632980" imgH="2098515" progId="Word.Document.12">
+                <p:oleObj name="Document" r:id="rId2" imgW="5632980" imgH="2098515" progId="Word.Document.12">
                   <p:embed/>
                 </p:oleObj>
               </mc:Choice>
               <mc:Fallback>
-                <p:oleObj name="Document" r:id="rId3" imgW="5632980" imgH="2098515" progId="Word.Document.12">
+                <p:oleObj name="Document" r:id="rId2" imgW="5632980" imgH="2098515" progId="Word.Document.12">
                   <p:embed/>
                   <p:pic>
                     <p:nvPicPr>
@@ -8624,7 +8624,7 @@
                       <p:nvPr/>
                     </p:nvPicPr>
                     <p:blipFill>
-                      <a:blip r:embed="rId4"/>
+                      <a:blip r:embed="rId3"/>
                       <a:stretch>
                         <a:fillRect/>
                       </a:stretch>
@@ -9234,14 +9234,14 @@
           <p:nvPr>
             <p:extLst>
               <p:ext uri="{D42A27DB-BD31-4B8C-83A1-F6EECF244321}">
-                <p14:modId xmlns:p14="http://schemas.microsoft.com/office/powerpoint/2010/main" val="3116053804"/>
+                <p14:modId xmlns:p14="http://schemas.microsoft.com/office/powerpoint/2010/main" val="515608634"/>
               </p:ext>
             </p:extLst>
           </p:nvPr>
         </p:nvGraphicFramePr>
         <p:xfrm>
           <a:off x="1613268" y="1141285"/>
-          <a:ext cx="6726263" cy="2793222"/>
+          <a:ext cx="5511458" cy="2793222"/>
         </p:xfrm>
         <a:graphic>
           <a:graphicData uri="http://schemas.openxmlformats.org/drawingml/2006/table">
@@ -9257,7 +9257,7 @@
                     </a:ext>
                   </a:extLst>
                 </a:gridCol>
-                <a:gridCol w="3382378">
+                <a:gridCol w="2167573">
                   <a:extLst>
                     <a:ext uri="{9D8B030D-6E8A-4147-A177-3AD203B41FA5}">
                       <a16:colId xmlns:a16="http://schemas.microsoft.com/office/drawing/2014/main" val="1811119943"/>
@@ -9509,18 +9509,18 @@
                         </a:tabLst>
                       </a:pPr>
                       <a:r>
-                        <a:rPr lang="en-US" sz="1100">
+                        <a:rPr lang="en-US" sz="1100" dirty="0">
                           <a:effectLst/>
                         </a:rPr>
-                        <a:t>5.319</a:t>
+                        <a:t>2.319</a:t>
                       </a:r>
                       <a:r>
-                        <a:rPr lang="en-US" sz="1000">
+                        <a:rPr lang="en-US" sz="1000" dirty="0">
                           <a:effectLst/>
                         </a:rPr>
                         <a:t>%</a:t>
                       </a:r>
-                      <a:endParaRPr lang="en-IN" sz="1100">
+                      <a:endParaRPr lang="en-IN" sz="1100" dirty="0">
                         <a:effectLst/>
                         <a:latin typeface="Times New Roman" panose="02020603050405020304" pitchFamily="18" charset="0"/>
                         <a:ea typeface="Times New Roman" panose="02020603050405020304" pitchFamily="18" charset="0"/>
@@ -9616,18 +9616,18 @@
                         </a:tabLst>
                       </a:pPr>
                       <a:r>
-                        <a:rPr lang="en-US" sz="1100">
+                        <a:rPr lang="en-US" sz="1100" dirty="0">
                           <a:effectLst/>
                         </a:rPr>
                         <a:t>2.203</a:t>
                       </a:r>
                       <a:r>
-                        <a:rPr lang="en-US" sz="1000">
+                        <a:rPr lang="en-US" sz="1000" dirty="0">
                           <a:effectLst/>
                         </a:rPr>
                         <a:t> %</a:t>
                       </a:r>
-                      <a:endParaRPr lang="en-IN" sz="1100">
+                      <a:endParaRPr lang="en-IN" sz="1100" dirty="0">
                         <a:effectLst/>
                         <a:latin typeface="Times New Roman" panose="02020603050405020304" pitchFamily="18" charset="0"/>
                         <a:ea typeface="Times New Roman" panose="02020603050405020304" pitchFamily="18" charset="0"/>
@@ -10106,7 +10106,7 @@
                         <a:rPr lang="en-US" sz="1100" dirty="0">
                           <a:effectLst/>
                         </a:rPr>
-                        <a:t>1.4593%</a:t>
+                        <a:t>2.4593%</a:t>
                       </a:r>
                       <a:endParaRPr lang="en-IN" sz="1100" dirty="0">
                         <a:effectLst/>
@@ -10703,7 +10703,7 @@
                 <a:latin typeface="Times New Roman" panose="02020603050405020304" pitchFamily="18" charset="0"/>
                 <a:cs typeface="Times New Roman" panose="02020603050405020304" pitchFamily="18" charset="0"/>
               </a:rPr>
-              <a:t>, our technique is producing a Compression ratio of approximately 1.4593%</a:t>
+              <a:t>, our technique is producing a Compression ratio of approximately 2.4593%</a:t>
             </a:r>
           </a:p>
           <a:p>
@@ -12259,12 +12259,12 @@
           <a:graphicData uri="http://schemas.openxmlformats.org/presentationml/2006/ole">
             <mc:AlternateContent xmlns:mc="http://schemas.openxmlformats.org/markup-compatibility/2006">
               <mc:Choice xmlns:v="urn:schemas-microsoft-com:vml" Requires="v">
-                <p:oleObj spid="_x0000_s5131" name="Document" r:id="rId3" imgW="5426646" imgH="4095103" progId="Word.Document.12">
+                <p:oleObj name="Document" r:id="rId2" imgW="5426646" imgH="4095103" progId="Word.Document.12">
                   <p:embed/>
                 </p:oleObj>
               </mc:Choice>
               <mc:Fallback>
-                <p:oleObj name="Document" r:id="rId3" imgW="5426646" imgH="4095103" progId="Word.Document.12">
+                <p:oleObj name="Document" r:id="rId2" imgW="5426646" imgH="4095103" progId="Word.Document.12">
                   <p:embed/>
                   <p:pic>
                     <p:nvPicPr>
@@ -12273,7 +12273,7 @@
                       <p:nvPr/>
                     </p:nvPicPr>
                     <p:blipFill>
-                      <a:blip r:embed="rId4"/>
+                      <a:blip r:embed="rId3"/>
                       <a:stretch>
                         <a:fillRect/>
                       </a:stretch>
@@ -12599,12 +12599,12 @@
           <a:graphicData uri="http://schemas.openxmlformats.org/presentationml/2006/ole">
             <mc:AlternateContent xmlns:mc="http://schemas.openxmlformats.org/markup-compatibility/2006">
               <mc:Choice xmlns:v="urn:schemas-microsoft-com:vml" Requires="v">
-                <p:oleObj spid="_x0000_s1064" name="Document" r:id="rId3" imgW="5426646" imgH="601701" progId="Word.Document.12">
+                <p:oleObj name="Document" r:id="rId2" imgW="5426646" imgH="601701" progId="Word.Document.12">
                   <p:embed/>
                 </p:oleObj>
               </mc:Choice>
               <mc:Fallback>
-                <p:oleObj name="Document" r:id="rId3" imgW="5426646" imgH="601701" progId="Word.Document.12">
+                <p:oleObj name="Document" r:id="rId2" imgW="5426646" imgH="601701" progId="Word.Document.12">
                   <p:embed/>
                   <p:pic>
                     <p:nvPicPr>
@@ -12613,7 +12613,7 @@
                       <p:nvPr/>
                     </p:nvPicPr>
                     <p:blipFill>
-                      <a:blip r:embed="rId4"/>
+                      <a:blip r:embed="rId3"/>
                       <a:stretch>
                         <a:fillRect/>
                       </a:stretch>
@@ -12662,12 +12662,12 @@
           <a:graphicData uri="http://schemas.openxmlformats.org/presentationml/2006/ole">
             <mc:AlternateContent xmlns:mc="http://schemas.openxmlformats.org/markup-compatibility/2006">
               <mc:Choice xmlns:v="urn:schemas-microsoft-com:vml" Requires="v">
-                <p:oleObj spid="_x0000_s1065" name="Document" r:id="rId5" imgW="5429565" imgH="1757583" progId="Word.Document.12">
+                <p:oleObj name="Document" r:id="rId4" imgW="5429565" imgH="1757583" progId="Word.Document.12">
                   <p:embed/>
                 </p:oleObj>
               </mc:Choice>
               <mc:Fallback>
-                <p:oleObj name="Document" r:id="rId5" imgW="5429565" imgH="1757583" progId="Word.Document.12">
+                <p:oleObj name="Document" r:id="rId4" imgW="5429565" imgH="1757583" progId="Word.Document.12">
                   <p:embed/>
                   <p:pic>
                     <p:nvPicPr>
@@ -12676,7 +12676,7 @@
                       <p:nvPr/>
                     </p:nvPicPr>
                     <p:blipFill>
-                      <a:blip r:embed="rId6"/>
+                      <a:blip r:embed="rId5"/>
                       <a:stretch>
                         <a:fillRect/>
                       </a:stretch>
@@ -12786,12 +12786,12 @@
           <a:graphicData uri="http://schemas.openxmlformats.org/presentationml/2006/ole">
             <mc:AlternateContent xmlns:mc="http://schemas.openxmlformats.org/markup-compatibility/2006">
               <mc:Choice xmlns:v="urn:schemas-microsoft-com:vml" Requires="v">
-                <p:oleObj spid="_x0000_s2069" name="Document" r:id="rId3" imgW="5426646" imgH="2362823" progId="Word.Document.12">
+                <p:oleObj name="Document" r:id="rId2" imgW="5426646" imgH="2362823" progId="Word.Document.12">
                   <p:embed/>
                 </p:oleObj>
               </mc:Choice>
               <mc:Fallback>
-                <p:oleObj name="Document" r:id="rId3" imgW="5426646" imgH="2362823" progId="Word.Document.12">
+                <p:oleObj name="Document" r:id="rId2" imgW="5426646" imgH="2362823" progId="Word.Document.12">
                   <p:embed/>
                   <p:pic>
                     <p:nvPicPr>
@@ -12800,7 +12800,7 @@
                       <p:nvPr/>
                     </p:nvPicPr>
                     <p:blipFill>
-                      <a:blip r:embed="rId4"/>
+                      <a:blip r:embed="rId3"/>
                       <a:stretch>
                         <a:fillRect/>
                       </a:stretch>
@@ -12866,25 +12866,25 @@
           <p:nvPr>
             <p:extLst>
               <p:ext uri="{D42A27DB-BD31-4B8C-83A1-F6EECF244321}">
-                <p14:modId xmlns:p14="http://schemas.microsoft.com/office/powerpoint/2010/main" val="464860698"/>
+                <p14:modId xmlns:p14="http://schemas.microsoft.com/office/powerpoint/2010/main" val="3902768430"/>
               </p:ext>
             </p:extLst>
           </p:nvPr>
         </p:nvGraphicFramePr>
         <p:xfrm>
-          <a:off x="-66675" y="701675"/>
-          <a:ext cx="9702800" cy="4762500"/>
+          <a:off x="-66675" y="700088"/>
+          <a:ext cx="9702800" cy="4767262"/>
         </p:xfrm>
         <a:graphic>
           <a:graphicData uri="http://schemas.openxmlformats.org/presentationml/2006/ole">
             <mc:AlternateContent xmlns:mc="http://schemas.openxmlformats.org/markup-compatibility/2006">
               <mc:Choice xmlns:v="urn:schemas-microsoft-com:vml" Requires="v">
-                <p:oleObj spid="_x0000_s3093" name="Document" r:id="rId3" imgW="5426646" imgH="2661691" progId="Word.Document.12">
+                <p:oleObj name="Document" r:id="rId2" imgW="5426646" imgH="2666017" progId="Word.Document.12">
                   <p:embed/>
                 </p:oleObj>
               </mc:Choice>
               <mc:Fallback>
-                <p:oleObj name="Document" r:id="rId3" imgW="5426646" imgH="2661691" progId="Word.Document.12">
+                <p:oleObj name="Document" r:id="rId2" imgW="5426646" imgH="2666017" progId="Word.Document.12">
                   <p:embed/>
                   <p:pic>
                     <p:nvPicPr>
@@ -12893,15 +12893,15 @@
                       <p:nvPr/>
                     </p:nvPicPr>
                     <p:blipFill>
-                      <a:blip r:embed="rId4"/>
+                      <a:blip r:embed="rId3"/>
                       <a:stretch>
                         <a:fillRect/>
                       </a:stretch>
                     </p:blipFill>
                     <p:spPr>
                       <a:xfrm>
-                        <a:off x="-66675" y="701675"/>
-                        <a:ext cx="9702800" cy="4762500"/>
+                        <a:off x="-66675" y="700088"/>
+                        <a:ext cx="9702800" cy="4767262"/>
                       </a:xfrm>
                       <a:prstGeom prst="rect">
                         <a:avLst/>
